--- a/sprint_2/mmis presentation (1).pptx
+++ b/sprint_2/mmis presentation (1).pptx
@@ -22,23 +22,24 @@
     <p:sldId id="267" r:id="rId17"/>
     <p:sldId id="268" r:id="rId18"/>
     <p:sldId id="269" r:id="rId19"/>
+    <p:sldId id="270" r:id="rId20"/>
   </p:sldIdLst>
   <p:sldSz cy="5143500" cx="9144000"/>
   <p:notesSz cx="6858000" cy="9144000"/>
   <p:embeddedFontLst>
     <p:embeddedFont>
       <p:font typeface="Raleway"/>
-      <p:regular r:id="rId20"/>
-      <p:bold r:id="rId21"/>
-      <p:italic r:id="rId22"/>
-      <p:boldItalic r:id="rId23"/>
+      <p:regular r:id="rId21"/>
+      <p:bold r:id="rId22"/>
+      <p:italic r:id="rId23"/>
+      <p:boldItalic r:id="rId24"/>
     </p:embeddedFont>
     <p:embeddedFont>
       <p:font typeface="Lato"/>
-      <p:regular r:id="rId24"/>
-      <p:bold r:id="rId25"/>
-      <p:italic r:id="rId26"/>
-      <p:boldItalic r:id="rId27"/>
+      <p:regular r:id="rId25"/>
+      <p:bold r:id="rId26"/>
+      <p:italic r:id="rId27"/>
+      <p:boldItalic r:id="rId28"/>
     </p:embeddedFont>
   </p:embeddedFontLst>
   <p:defaultTextStyle>
@@ -819,7 +820,7 @@
   <p:cSld>
     <p:spTree>
       <p:nvGrpSpPr>
-        <p:cNvPr id="140" name="Shape 140"/>
+        <p:cNvPr id="141" name="Shape 141"/>
         <p:cNvGrpSpPr/>
         <p:nvPr/>
       </p:nvGrpSpPr>
@@ -833,7 +834,7 @@
       </p:grpSpPr>
       <p:sp>
         <p:nvSpPr>
-          <p:cNvPr id="141" name="Google Shape;141;gbd976939b7_0_0:notes"/>
+          <p:cNvPr id="142" name="Google Shape;142;gbd976939b7_0_13:notes"/>
           <p:cNvSpPr/>
           <p:nvPr>
             <p:ph idx="2" type="sldImg"/>
@@ -868,7 +869,7 @@
       </p:sp>
       <p:sp>
         <p:nvSpPr>
-          <p:cNvPr id="142" name="Google Shape;142;gbd976939b7_0_0:notes"/>
+          <p:cNvPr id="143" name="Google Shape;143;gbd976939b7_0_13:notes"/>
           <p:cNvSpPr txBox="1"/>
           <p:nvPr>
             <p:ph idx="1" type="body"/>
@@ -918,7 +919,7 @@
   <p:cSld>
     <p:spTree>
       <p:nvGrpSpPr>
-        <p:cNvPr id="146" name="Shape 146"/>
+        <p:cNvPr id="148" name="Shape 148"/>
         <p:cNvGrpSpPr/>
         <p:nvPr/>
       </p:nvGrpSpPr>
@@ -932,7 +933,7 @@
       </p:grpSpPr>
       <p:sp>
         <p:nvSpPr>
-          <p:cNvPr id="147" name="Google Shape;147;gbd976939b7_0_13:notes"/>
+          <p:cNvPr id="149" name="Google Shape;149;gbd976939b7_0_18:notes"/>
           <p:cNvSpPr/>
           <p:nvPr>
             <p:ph idx="2" type="sldImg"/>
@@ -967,7 +968,7 @@
       </p:sp>
       <p:sp>
         <p:nvSpPr>
-          <p:cNvPr id="148" name="Google Shape;148;gbd976939b7_0_13:notes"/>
+          <p:cNvPr id="150" name="Google Shape;150;gbd976939b7_0_18:notes"/>
           <p:cNvSpPr txBox="1"/>
           <p:nvPr>
             <p:ph idx="1" type="body"/>
@@ -1017,7 +1018,7 @@
   <p:cSld>
     <p:spTree>
       <p:nvGrpSpPr>
-        <p:cNvPr id="153" name="Shape 153"/>
+        <p:cNvPr id="154" name="Shape 154"/>
         <p:cNvGrpSpPr/>
         <p:nvPr/>
       </p:nvGrpSpPr>
@@ -1031,7 +1032,7 @@
       </p:grpSpPr>
       <p:sp>
         <p:nvSpPr>
-          <p:cNvPr id="154" name="Google Shape;154;gbd976939b7_0_18:notes"/>
+          <p:cNvPr id="155" name="Google Shape;155;gbd976939b7_0_24:notes"/>
           <p:cNvSpPr/>
           <p:nvPr>
             <p:ph idx="2" type="sldImg"/>
@@ -1066,7 +1067,7 @@
       </p:sp>
       <p:sp>
         <p:nvSpPr>
-          <p:cNvPr id="155" name="Google Shape;155;gbd976939b7_0_18:notes"/>
+          <p:cNvPr id="156" name="Google Shape;156;gbd976939b7_0_24:notes"/>
           <p:cNvSpPr txBox="1"/>
           <p:nvPr>
             <p:ph idx="1" type="body"/>
@@ -1116,7 +1117,7 @@
   <p:cSld>
     <p:spTree>
       <p:nvGrpSpPr>
-        <p:cNvPr id="159" name="Shape 159"/>
+        <p:cNvPr id="160" name="Shape 160"/>
         <p:cNvGrpSpPr/>
         <p:nvPr/>
       </p:nvGrpSpPr>
@@ -1130,7 +1131,7 @@
       </p:grpSpPr>
       <p:sp>
         <p:nvSpPr>
-          <p:cNvPr id="160" name="Google Shape;160;gbd976939b7_0_24:notes"/>
+          <p:cNvPr id="161" name="Google Shape;161;gc5f1feaf85_0_16:notes"/>
           <p:cNvSpPr/>
           <p:nvPr>
             <p:ph idx="2" type="sldImg"/>
@@ -1165,7 +1166,7 @@
       </p:sp>
       <p:sp>
         <p:nvSpPr>
-          <p:cNvPr id="161" name="Google Shape;161;gbd976939b7_0_24:notes"/>
+          <p:cNvPr id="162" name="Google Shape;162;gc5f1feaf85_0_16:notes"/>
           <p:cNvSpPr txBox="1"/>
           <p:nvPr>
             <p:ph idx="1" type="body"/>
@@ -1215,7 +1216,7 @@
   <p:cSld>
     <p:spTree>
       <p:nvGrpSpPr>
-        <p:cNvPr id="165" name="Shape 165"/>
+        <p:cNvPr id="168" name="Shape 168"/>
         <p:cNvGrpSpPr/>
         <p:nvPr/>
       </p:nvGrpSpPr>
@@ -1229,7 +1230,7 @@
       </p:grpSpPr>
       <p:sp>
         <p:nvSpPr>
-          <p:cNvPr id="166" name="Google Shape;166;gcb9a0b074_1_213:notes"/>
+          <p:cNvPr id="169" name="Google Shape;169;gc5f1feaf85_0_12:notes"/>
           <p:cNvSpPr/>
           <p:nvPr>
             <p:ph idx="2" type="sldImg"/>
@@ -1264,7 +1265,106 @@
       </p:sp>
       <p:sp>
         <p:nvSpPr>
-          <p:cNvPr id="167" name="Google Shape;167;gcb9a0b074_1_213:notes"/>
+          <p:cNvPr id="170" name="Google Shape;170;gc5f1feaf85_0_12:notes"/>
+          <p:cNvSpPr txBox="1"/>
+          <p:nvPr>
+            <p:ph idx="1" type="body"/>
+          </p:nvPr>
+        </p:nvSpPr>
+        <p:spPr>
+          <a:xfrm>
+            <a:off x="685800" y="4343400"/>
+            <a:ext cx="5486400" cy="4114800"/>
+          </a:xfrm>
+          <a:prstGeom prst="rect">
+            <a:avLst/>
+          </a:prstGeom>
+        </p:spPr>
+        <p:txBody>
+          <a:bodyPr anchorCtr="0" anchor="t" bIns="91425" lIns="91425" spcFirstLastPara="1" rIns="91425" wrap="square" tIns="91425">
+            <a:noAutofit/>
+          </a:bodyPr>
+          <a:lstStyle/>
+          <a:p>
+            <a:pPr indent="0" lvl="0" marL="0" rtl="0" algn="l">
+              <a:spcBef>
+                <a:spcPts val="0"/>
+              </a:spcBef>
+              <a:spcAft>
+                <a:spcPts val="0"/>
+              </a:spcAft>
+              <a:buNone/>
+            </a:pPr>
+            <a:r>
+              <a:t/>
+            </a:r>
+            <a:endParaRPr/>
+          </a:p>
+        </p:txBody>
+      </p:sp>
+    </p:spTree>
+  </p:cSld>
+  <p:clrMapOvr>
+    <a:masterClrMapping/>
+  </p:clrMapOvr>
+</p:notes>
+</file>
+
+<file path=ppt/notesSlides/notesSlide15.xml><?xml version="1.0" encoding="utf-8"?>
+<p:notes xmlns:a="http://schemas.openxmlformats.org/drawingml/2006/main" xmlns:r="http://schemas.openxmlformats.org/officeDocument/2006/relationships" xmlns:mc="http://schemas.openxmlformats.org/markup-compatibility/2006" xmlns:mv="urn:schemas-microsoft-com:mac:vml" xmlns:p="http://schemas.openxmlformats.org/presentationml/2006/main" xmlns:c="http://schemas.openxmlformats.org/drawingml/2006/chart" xmlns:dgm="http://schemas.openxmlformats.org/drawingml/2006/diagram" xmlns:o="urn:schemas-microsoft-com:office:office" xmlns:v="urn:schemas-microsoft-com:vml" xmlns:pvml="urn:schemas-microsoft-com:office:powerpoint" xmlns:com="http://schemas.openxmlformats.org/drawingml/2006/compatibility" xmlns:p14="http://schemas.microsoft.com/office/powerpoint/2010/main" xmlns:p15="http://schemas.microsoft.com/office/powerpoint/2012/main" xmlns:ahyp="http://schemas.microsoft.com/office/drawing/2018/hyperlinkcolor" showMasterPhAnim="0" showMasterSp="0">
+  <p:cSld>
+    <p:spTree>
+      <p:nvGrpSpPr>
+        <p:cNvPr id="173" name="Shape 173"/>
+        <p:cNvGrpSpPr/>
+        <p:nvPr/>
+      </p:nvGrpSpPr>
+      <p:grpSpPr>
+        <a:xfrm>
+          <a:off x="0" y="0"/>
+          <a:ext cx="0" cy="0"/>
+          <a:chOff x="0" y="0"/>
+          <a:chExt cx="0" cy="0"/>
+        </a:xfrm>
+      </p:grpSpPr>
+      <p:sp>
+        <p:nvSpPr>
+          <p:cNvPr id="174" name="Google Shape;174;gcb9a0b074_1_213:notes"/>
+          <p:cNvSpPr/>
+          <p:nvPr>
+            <p:ph idx="2" type="sldImg"/>
+          </p:nvPr>
+        </p:nvSpPr>
+        <p:spPr>
+          <a:xfrm>
+            <a:off x="381300" y="685800"/>
+            <a:ext cx="6096000" cy="3429000"/>
+          </a:xfrm>
+          <a:custGeom>
+            <a:rect b="b" l="l" r="r" t="t"/>
+            <a:pathLst>
+              <a:path extrusionOk="0" h="120000" w="120000">
+                <a:moveTo>
+                  <a:pt x="0" y="0"/>
+                </a:moveTo>
+                <a:lnTo>
+                  <a:pt x="120000" y="0"/>
+                </a:lnTo>
+                <a:lnTo>
+                  <a:pt x="120000" y="120000"/>
+                </a:lnTo>
+                <a:lnTo>
+                  <a:pt x="0" y="120000"/>
+                </a:lnTo>
+                <a:close/>
+              </a:path>
+            </a:pathLst>
+          </a:custGeom>
+        </p:spPr>
+      </p:sp>
+      <p:sp>
+        <p:nvSpPr>
+          <p:cNvPr id="175" name="Google Shape;175;gcb9a0b074_1_213:notes"/>
           <p:cNvSpPr txBox="1"/>
           <p:nvPr>
             <p:ph idx="1" type="body"/>
@@ -1328,7 +1428,7 @@
       </p:grpSpPr>
       <p:sp>
         <p:nvSpPr>
-          <p:cNvPr id="75" name="Google Shape;75;g723630543_3_0:notes"/>
+          <p:cNvPr id="75" name="Google Shape;75;gd5b15f0a3_5_26:notes"/>
           <p:cNvSpPr/>
           <p:nvPr>
             <p:ph idx="2" type="sldImg"/>
@@ -1363,7 +1463,7 @@
       </p:sp>
       <p:sp>
         <p:nvSpPr>
-          <p:cNvPr id="76" name="Google Shape;76;g723630543_3_0:notes"/>
+          <p:cNvPr id="76" name="Google Shape;76;gd5b15f0a3_5_26:notes"/>
           <p:cNvSpPr txBox="1"/>
           <p:nvPr>
             <p:ph idx="1" type="body"/>
@@ -1413,7 +1513,7 @@
   <p:cSld>
     <p:spTree>
       <p:nvGrpSpPr>
-        <p:cNvPr id="82" name="Shape 82"/>
+        <p:cNvPr id="81" name="Shape 81"/>
         <p:cNvGrpSpPr/>
         <p:nvPr/>
       </p:nvGrpSpPr>
@@ -1427,7 +1527,7 @@
       </p:grpSpPr>
       <p:sp>
         <p:nvSpPr>
-          <p:cNvPr id="83" name="Google Shape;83;gd5b15f0a3_5_26:notes"/>
+          <p:cNvPr id="82" name="Google Shape;82;gbdae9ffbc6_0_21:notes"/>
           <p:cNvSpPr/>
           <p:nvPr>
             <p:ph idx="2" type="sldImg"/>
@@ -1462,7 +1562,7 @@
       </p:sp>
       <p:sp>
         <p:nvSpPr>
-          <p:cNvPr id="84" name="Google Shape;84;gd5b15f0a3_5_26:notes"/>
+          <p:cNvPr id="83" name="Google Shape;83;gbdae9ffbc6_0_21:notes"/>
           <p:cNvSpPr txBox="1"/>
           <p:nvPr>
             <p:ph idx="1" type="body"/>
@@ -1512,7 +1612,7 @@
   <p:cSld>
     <p:spTree>
       <p:nvGrpSpPr>
-        <p:cNvPr id="89" name="Shape 89"/>
+        <p:cNvPr id="92" name="Shape 92"/>
         <p:cNvGrpSpPr/>
         <p:nvPr/>
       </p:nvGrpSpPr>
@@ -1526,7 +1626,7 @@
       </p:grpSpPr>
       <p:sp>
         <p:nvSpPr>
-          <p:cNvPr id="90" name="Google Shape;90;gcb9a0b074_2_0:notes"/>
+          <p:cNvPr id="93" name="Google Shape;93;gcb9a0b074_2_0:notes"/>
           <p:cNvSpPr/>
           <p:nvPr>
             <p:ph idx="2" type="sldImg"/>
@@ -1561,7 +1661,7 @@
       </p:sp>
       <p:sp>
         <p:nvSpPr>
-          <p:cNvPr id="91" name="Google Shape;91;gcb9a0b074_2_0:notes"/>
+          <p:cNvPr id="94" name="Google Shape;94;gcb9a0b074_2_0:notes"/>
           <p:cNvSpPr txBox="1"/>
           <p:nvPr>
             <p:ph idx="1" type="body"/>
@@ -1611,7 +1711,7 @@
   <p:cSld>
     <p:spTree>
       <p:nvGrpSpPr>
-        <p:cNvPr id="100" name="Shape 100"/>
+        <p:cNvPr id="103" name="Shape 103"/>
         <p:cNvGrpSpPr/>
         <p:nvPr/>
       </p:nvGrpSpPr>
@@ -1625,7 +1725,7 @@
       </p:grpSpPr>
       <p:sp>
         <p:nvSpPr>
-          <p:cNvPr id="101" name="Google Shape;101;gbdae9ffbc6_0_1:notes"/>
+          <p:cNvPr id="104" name="Google Shape;104;gbdae9ffbc6_0_1:notes"/>
           <p:cNvSpPr/>
           <p:nvPr>
             <p:ph idx="2" type="sldImg"/>
@@ -1660,7 +1760,7 @@
       </p:sp>
       <p:sp>
         <p:nvSpPr>
-          <p:cNvPr id="102" name="Google Shape;102;gbdae9ffbc6_0_1:notes"/>
+          <p:cNvPr id="105" name="Google Shape;105;gbdae9ffbc6_0_1:notes"/>
           <p:cNvSpPr txBox="1"/>
           <p:nvPr>
             <p:ph idx="1" type="body"/>
@@ -1710,7 +1810,7 @@
   <p:cSld>
     <p:spTree>
       <p:nvGrpSpPr>
-        <p:cNvPr id="111" name="Shape 111"/>
+        <p:cNvPr id="114" name="Shape 114"/>
         <p:cNvGrpSpPr/>
         <p:nvPr/>
       </p:nvGrpSpPr>
@@ -1724,7 +1824,7 @@
       </p:grpSpPr>
       <p:sp>
         <p:nvSpPr>
-          <p:cNvPr id="112" name="Google Shape;112;gcb9a0b074_1_103:notes"/>
+          <p:cNvPr id="115" name="Google Shape;115;gc5f1feaf85_0_2:notes"/>
           <p:cNvSpPr/>
           <p:nvPr>
             <p:ph idx="2" type="sldImg"/>
@@ -1759,7 +1859,7 @@
       </p:sp>
       <p:sp>
         <p:nvSpPr>
-          <p:cNvPr id="113" name="Google Shape;113;gcb9a0b074_1_103:notes"/>
+          <p:cNvPr id="116" name="Google Shape;116;gc5f1feaf85_0_2:notes"/>
           <p:cNvSpPr txBox="1"/>
           <p:nvPr>
             <p:ph idx="1" type="body"/>
@@ -1809,7 +1909,7 @@
   <p:cSld>
     <p:spTree>
       <p:nvGrpSpPr>
-        <p:cNvPr id="119" name="Shape 119"/>
+        <p:cNvPr id="125" name="Shape 125"/>
         <p:cNvGrpSpPr/>
         <p:nvPr/>
       </p:nvGrpSpPr>
@@ -1823,7 +1923,7 @@
       </p:grpSpPr>
       <p:sp>
         <p:nvSpPr>
-          <p:cNvPr id="120" name="Google Shape;120;gbdae9ffbc6_0_21:notes"/>
+          <p:cNvPr id="126" name="Google Shape;126;gd251bb473_0_681:notes"/>
           <p:cNvSpPr/>
           <p:nvPr>
             <p:ph idx="2" type="sldImg"/>
@@ -1858,7 +1958,7 @@
       </p:sp>
       <p:sp>
         <p:nvSpPr>
-          <p:cNvPr id="121" name="Google Shape;121;gbdae9ffbc6_0_21:notes"/>
+          <p:cNvPr id="127" name="Google Shape;127;gd251bb473_0_681:notes"/>
           <p:cNvSpPr txBox="1"/>
           <p:nvPr>
             <p:ph idx="1" type="body"/>
@@ -1922,7 +2022,7 @@
       </p:grpSpPr>
       <p:sp>
         <p:nvSpPr>
-          <p:cNvPr id="131" name="Google Shape;131;gd251bb473_0_681:notes"/>
+          <p:cNvPr id="131" name="Google Shape;131;gbdae9ffbc6_0_31:notes"/>
           <p:cNvSpPr/>
           <p:nvPr>
             <p:ph idx="2" type="sldImg"/>
@@ -1957,7 +2057,7 @@
       </p:sp>
       <p:sp>
         <p:nvSpPr>
-          <p:cNvPr id="132" name="Google Shape;132;gd251bb473_0_681:notes"/>
+          <p:cNvPr id="132" name="Google Shape;132;gbdae9ffbc6_0_31:notes"/>
           <p:cNvSpPr txBox="1"/>
           <p:nvPr>
             <p:ph idx="1" type="body"/>
@@ -2021,7 +2121,7 @@
       </p:grpSpPr>
       <p:sp>
         <p:nvSpPr>
-          <p:cNvPr id="136" name="Google Shape;136;gbdae9ffbc6_0_31:notes"/>
+          <p:cNvPr id="136" name="Google Shape;136;gbd976939b7_0_0:notes"/>
           <p:cNvSpPr/>
           <p:nvPr>
             <p:ph idx="2" type="sldImg"/>
@@ -2056,7 +2156,7 @@
       </p:sp>
       <p:sp>
         <p:nvSpPr>
-          <p:cNvPr id="137" name="Google Shape;137;gbdae9ffbc6_0_31:notes"/>
+          <p:cNvPr id="137" name="Google Shape;137;gbd976939b7_0_0:notes"/>
           <p:cNvSpPr txBox="1"/>
           <p:nvPr>
             <p:ph idx="1" type="body"/>
@@ -8121,7 +8221,7 @@
   <p:cSld>
     <p:spTree>
       <p:nvGrpSpPr>
-        <p:cNvPr id="143" name="Shape 143"/>
+        <p:cNvPr id="144" name="Shape 144"/>
         <p:cNvGrpSpPr/>
         <p:nvPr/>
       </p:nvGrpSpPr>
@@ -8135,7 +8235,7 @@
       </p:grpSpPr>
       <p:sp>
         <p:nvSpPr>
-          <p:cNvPr id="144" name="Google Shape;144;p22"/>
+          <p:cNvPr id="145" name="Google Shape;145;p22"/>
           <p:cNvSpPr txBox="1"/>
           <p:nvPr>
             <p:ph type="title"/>
@@ -8143,8 +8243,8 @@
         </p:nvSpPr>
         <p:spPr>
           <a:xfrm>
-            <a:off x="254099" y="118794"/>
-            <a:ext cx="8635800" cy="1272900"/>
+            <a:off x="276475" y="262219"/>
+            <a:ext cx="6822900" cy="1431600"/>
           </a:xfrm>
           <a:prstGeom prst="rect">
             <a:avLst/>
@@ -8167,7 +8267,7 @@
             </a:pPr>
             <a:r>
               <a:rPr lang="en"/>
-              <a:t>Project progress - Landing </a:t>
+              <a:t>Login &amp; register</a:t>
             </a:r>
             <a:endParaRPr/>
           </a:p>
@@ -8175,7 +8275,7 @@
       </p:sp>
       <p:pic>
         <p:nvPicPr>
-          <p:cNvPr id="145" name="Google Shape;145;p22"/>
+          <p:cNvPr id="146" name="Google Shape;146;p22"/>
           <p:cNvPicPr preferRelativeResize="0"/>
           <p:nvPr/>
         </p:nvPicPr>
@@ -8189,8 +8289,36 @@
         </p:blipFill>
         <p:spPr>
           <a:xfrm>
-            <a:off x="1849326" y="1173375"/>
-            <a:ext cx="5445349" cy="3743099"/>
+            <a:off x="52925" y="1993975"/>
+            <a:ext cx="4261049" cy="2423476"/>
+          </a:xfrm>
+          <a:prstGeom prst="rect">
+            <a:avLst/>
+          </a:prstGeom>
+          <a:noFill/>
+          <a:ln>
+            <a:noFill/>
+          </a:ln>
+        </p:spPr>
+      </p:pic>
+      <p:pic>
+        <p:nvPicPr>
+          <p:cNvPr id="147" name="Google Shape;147;p22"/>
+          <p:cNvPicPr preferRelativeResize="0"/>
+          <p:nvPr/>
+        </p:nvPicPr>
+        <p:blipFill>
+          <a:blip r:embed="rId4">
+            <a:alphaModFix/>
+          </a:blip>
+          <a:stretch>
+            <a:fillRect/>
+          </a:stretch>
+        </p:blipFill>
+        <p:spPr>
+          <a:xfrm>
+            <a:off x="4519075" y="1993976"/>
+            <a:ext cx="4535196" cy="2423475"/>
           </a:xfrm>
           <a:prstGeom prst="rect">
             <a:avLst/>
@@ -8214,7 +8342,7 @@
   <p:cSld>
     <p:spTree>
       <p:nvGrpSpPr>
-        <p:cNvPr id="149" name="Shape 149"/>
+        <p:cNvPr id="151" name="Shape 151"/>
         <p:cNvGrpSpPr/>
         <p:nvPr/>
       </p:nvGrpSpPr>
@@ -8228,7 +8356,7 @@
       </p:grpSpPr>
       <p:sp>
         <p:nvSpPr>
-          <p:cNvPr id="150" name="Google Shape;150;p23"/>
+          <p:cNvPr id="152" name="Google Shape;152;p23"/>
           <p:cNvSpPr txBox="1"/>
           <p:nvPr>
             <p:ph type="title"/>
@@ -8236,8 +8364,8 @@
         </p:nvSpPr>
         <p:spPr>
           <a:xfrm>
-            <a:off x="276475" y="262219"/>
-            <a:ext cx="6822900" cy="1431600"/>
+            <a:off x="283100" y="310143"/>
+            <a:ext cx="6267300" cy="783300"/>
           </a:xfrm>
           <a:prstGeom prst="rect">
             <a:avLst/>
@@ -8259,16 +8387,16 @@
               <a:buNone/>
             </a:pPr>
             <a:r>
-              <a:rPr lang="en"/>
-              <a:t>Login &amp; register</a:t>
+              <a:rPr lang="en" sz="3900"/>
+              <a:t>Topbar &amp; side bar</a:t>
             </a:r>
-            <a:endParaRPr/>
+            <a:endParaRPr sz="3900"/>
           </a:p>
         </p:txBody>
       </p:sp>
       <p:pic>
         <p:nvPicPr>
-          <p:cNvPr id="151" name="Google Shape;151;p23"/>
+          <p:cNvPr id="153" name="Google Shape;153;p23"/>
           <p:cNvPicPr preferRelativeResize="0"/>
           <p:nvPr/>
         </p:nvPicPr>
@@ -8282,36 +8410,8 @@
         </p:blipFill>
         <p:spPr>
           <a:xfrm>
-            <a:off x="52925" y="1993975"/>
-            <a:ext cx="4261049" cy="2423476"/>
-          </a:xfrm>
-          <a:prstGeom prst="rect">
-            <a:avLst/>
-          </a:prstGeom>
-          <a:noFill/>
-          <a:ln>
-            <a:noFill/>
-          </a:ln>
-        </p:spPr>
-      </p:pic>
-      <p:pic>
-        <p:nvPicPr>
-          <p:cNvPr id="152" name="Google Shape;152;p23"/>
-          <p:cNvPicPr preferRelativeResize="0"/>
-          <p:nvPr/>
-        </p:nvPicPr>
-        <p:blipFill>
-          <a:blip r:embed="rId4">
-            <a:alphaModFix/>
-          </a:blip>
-          <a:stretch>
-            <a:fillRect/>
-          </a:stretch>
-        </p:blipFill>
-        <p:spPr>
-          <a:xfrm>
-            <a:off x="4519075" y="1993976"/>
-            <a:ext cx="4535196" cy="2423475"/>
+            <a:off x="1702188" y="959450"/>
+            <a:ext cx="5739624" cy="4086224"/>
           </a:xfrm>
           <a:prstGeom prst="rect">
             <a:avLst/>
@@ -8335,7 +8435,7 @@
   <p:cSld>
     <p:spTree>
       <p:nvGrpSpPr>
-        <p:cNvPr id="156" name="Shape 156"/>
+        <p:cNvPr id="157" name="Shape 157"/>
         <p:cNvGrpSpPr/>
         <p:nvPr/>
       </p:nvGrpSpPr>
@@ -8349,7 +8449,7 @@
       </p:grpSpPr>
       <p:sp>
         <p:nvSpPr>
-          <p:cNvPr id="157" name="Google Shape;157;p24"/>
+          <p:cNvPr id="158" name="Google Shape;158;p24"/>
           <p:cNvSpPr txBox="1"/>
           <p:nvPr>
             <p:ph type="title"/>
@@ -8357,8 +8457,8 @@
         </p:nvSpPr>
         <p:spPr>
           <a:xfrm>
-            <a:off x="283100" y="310143"/>
-            <a:ext cx="6267300" cy="783300"/>
+            <a:off x="276500" y="443923"/>
+            <a:ext cx="6895800" cy="690600"/>
           </a:xfrm>
           <a:prstGeom prst="rect">
             <a:avLst/>
@@ -8380,16 +8480,16 @@
               <a:buNone/>
             </a:pPr>
             <a:r>
-              <a:rPr lang="en" sz="3900"/>
-              <a:t>Topbar &amp; side bar</a:t>
+              <a:rPr lang="en" sz="4100"/>
+              <a:t>Autocompletion Logic</a:t>
             </a:r>
-            <a:endParaRPr sz="3900"/>
+            <a:endParaRPr sz="4100"/>
           </a:p>
         </p:txBody>
       </p:sp>
       <p:pic>
         <p:nvPicPr>
-          <p:cNvPr id="158" name="Google Shape;158;p24"/>
+          <p:cNvPr id="159" name="Google Shape;159;p24"/>
           <p:cNvPicPr preferRelativeResize="0"/>
           <p:nvPr/>
         </p:nvPicPr>
@@ -8403,8 +8503,8 @@
         </p:blipFill>
         <p:spPr>
           <a:xfrm>
-            <a:off x="1702188" y="959450"/>
-            <a:ext cx="5739624" cy="4086224"/>
+            <a:off x="534350" y="1280548"/>
+            <a:ext cx="8075309" cy="3704176"/>
           </a:xfrm>
           <a:prstGeom prst="rect">
             <a:avLst/>
@@ -8428,7 +8528,7 @@
   <p:cSld>
     <p:spTree>
       <p:nvGrpSpPr>
-        <p:cNvPr id="162" name="Shape 162"/>
+        <p:cNvPr id="163" name="Shape 163"/>
         <p:cNvGrpSpPr/>
         <p:nvPr/>
       </p:nvGrpSpPr>
@@ -8442,7 +8542,7 @@
       </p:grpSpPr>
       <p:sp>
         <p:nvSpPr>
-          <p:cNvPr id="163" name="Google Shape;163;p25"/>
+          <p:cNvPr id="164" name="Google Shape;164;p25"/>
           <p:cNvSpPr txBox="1"/>
           <p:nvPr>
             <p:ph type="title"/>
@@ -8473,16 +8573,16 @@
               <a:buNone/>
             </a:pPr>
             <a:r>
-              <a:rPr lang="en" sz="4100"/>
-              <a:t>Autocompletion Logic</a:t>
+              <a:rPr lang="en" sz="3500"/>
+              <a:t>Data collection/ cleaning/ file output/ one algo</a:t>
             </a:r>
-            <a:endParaRPr sz="4100"/>
+            <a:endParaRPr sz="3500"/>
           </a:p>
         </p:txBody>
       </p:sp>
       <p:pic>
         <p:nvPicPr>
-          <p:cNvPr id="164" name="Google Shape;164;p25"/>
+          <p:cNvPr id="165" name="Google Shape;165;p25"/>
           <p:cNvPicPr preferRelativeResize="0"/>
           <p:nvPr/>
         </p:nvPicPr>
@@ -8496,8 +8596,64 @@
         </p:blipFill>
         <p:spPr>
           <a:xfrm>
-            <a:off x="534350" y="1280548"/>
-            <a:ext cx="8075309" cy="3704176"/>
+            <a:off x="4454525" y="3017344"/>
+            <a:ext cx="4414125" cy="1985404"/>
+          </a:xfrm>
+          <a:prstGeom prst="rect">
+            <a:avLst/>
+          </a:prstGeom>
+          <a:noFill/>
+          <a:ln>
+            <a:noFill/>
+          </a:ln>
+        </p:spPr>
+      </p:pic>
+      <p:pic>
+        <p:nvPicPr>
+          <p:cNvPr id="166" name="Google Shape;166;p25"/>
+          <p:cNvPicPr preferRelativeResize="0"/>
+          <p:nvPr/>
+        </p:nvPicPr>
+        <p:blipFill>
+          <a:blip r:embed="rId4">
+            <a:alphaModFix/>
+          </a:blip>
+          <a:stretch>
+            <a:fillRect/>
+          </a:stretch>
+        </p:blipFill>
+        <p:spPr>
+          <a:xfrm>
+            <a:off x="4454537" y="1076975"/>
+            <a:ext cx="4414109" cy="1940375"/>
+          </a:xfrm>
+          <a:prstGeom prst="rect">
+            <a:avLst/>
+          </a:prstGeom>
+          <a:noFill/>
+          <a:ln>
+            <a:noFill/>
+          </a:ln>
+        </p:spPr>
+      </p:pic>
+      <p:pic>
+        <p:nvPicPr>
+          <p:cNvPr id="167" name="Google Shape;167;p25"/>
+          <p:cNvPicPr preferRelativeResize="0"/>
+          <p:nvPr/>
+        </p:nvPicPr>
+        <p:blipFill>
+          <a:blip r:embed="rId5">
+            <a:alphaModFix/>
+          </a:blip>
+          <a:stretch>
+            <a:fillRect/>
+          </a:stretch>
+        </p:blipFill>
+        <p:spPr>
+          <a:xfrm>
+            <a:off x="194400" y="1801273"/>
+            <a:ext cx="4149725" cy="2694515"/>
           </a:xfrm>
           <a:prstGeom prst="rect">
             <a:avLst/>
@@ -8519,6 +8675,70 @@
 <file path=ppt/slides/slide14.xml><?xml version="1.0" encoding="utf-8"?>
 <p:sld xmlns:a="http://schemas.openxmlformats.org/drawingml/2006/main" xmlns:r="http://schemas.openxmlformats.org/officeDocument/2006/relationships" xmlns:mc="http://schemas.openxmlformats.org/markup-compatibility/2006" xmlns:mv="urn:schemas-microsoft-com:mac:vml" xmlns:p="http://schemas.openxmlformats.org/presentationml/2006/main" xmlns:c="http://schemas.openxmlformats.org/drawingml/2006/chart" xmlns:dgm="http://schemas.openxmlformats.org/drawingml/2006/diagram" xmlns:o="urn:schemas-microsoft-com:office:office" xmlns:v="urn:schemas-microsoft-com:vml" xmlns:pvml="urn:schemas-microsoft-com:office:powerpoint" xmlns:com="http://schemas.openxmlformats.org/drawingml/2006/compatibility" xmlns:p14="http://schemas.microsoft.com/office/powerpoint/2010/main" xmlns:p15="http://schemas.microsoft.com/office/powerpoint/2012/main" xmlns:ahyp="http://schemas.microsoft.com/office/drawing/2018/hyperlinkcolor">
   <p:cSld>
+    <p:spTree>
+      <p:nvGrpSpPr>
+        <p:cNvPr id="171" name="Shape 171"/>
+        <p:cNvGrpSpPr/>
+        <p:nvPr/>
+      </p:nvGrpSpPr>
+      <p:grpSpPr>
+        <a:xfrm>
+          <a:off x="0" y="0"/>
+          <a:ext cx="0" cy="0"/>
+          <a:chOff x="0" y="0"/>
+          <a:chExt cx="0" cy="0"/>
+        </a:xfrm>
+      </p:grpSpPr>
+      <p:sp>
+        <p:nvSpPr>
+          <p:cNvPr id="172" name="Google Shape;172;p26"/>
+          <p:cNvSpPr txBox="1"/>
+          <p:nvPr>
+            <p:ph type="title"/>
+          </p:nvPr>
+        </p:nvSpPr>
+        <p:spPr>
+          <a:xfrm>
+            <a:off x="283103" y="712141"/>
+            <a:ext cx="6244200" cy="3835500"/>
+          </a:xfrm>
+          <a:prstGeom prst="rect">
+            <a:avLst/>
+          </a:prstGeom>
+        </p:spPr>
+        <p:txBody>
+          <a:bodyPr anchorCtr="0" anchor="ctr" bIns="91425" lIns="91425" spcFirstLastPara="1" rIns="91425" wrap="square" tIns="91425">
+            <a:noAutofit/>
+          </a:bodyPr>
+          <a:lstStyle/>
+          <a:p>
+            <a:pPr indent="0" lvl="0" marL="0" rtl="0" algn="l">
+              <a:spcBef>
+                <a:spcPts val="0"/>
+              </a:spcBef>
+              <a:spcAft>
+                <a:spcPts val="0"/>
+              </a:spcAft>
+              <a:buNone/>
+            </a:pPr>
+            <a:r>
+              <a:t/>
+            </a:r>
+            <a:endParaRPr/>
+          </a:p>
+        </p:txBody>
+      </p:sp>
+    </p:spTree>
+  </p:cSld>
+  <p:clrMapOvr>
+    <a:masterClrMapping/>
+  </p:clrMapOvr>
+</p:sld>
+</file>
+
+<file path=ppt/slides/slide15.xml><?xml version="1.0" encoding="utf-8"?>
+<p:sld xmlns:a="http://schemas.openxmlformats.org/drawingml/2006/main" xmlns:r="http://schemas.openxmlformats.org/officeDocument/2006/relationships" xmlns:mc="http://schemas.openxmlformats.org/markup-compatibility/2006" xmlns:mv="urn:schemas-microsoft-com:mac:vml" xmlns:p="http://schemas.openxmlformats.org/presentationml/2006/main" xmlns:c="http://schemas.openxmlformats.org/drawingml/2006/chart" xmlns:dgm="http://schemas.openxmlformats.org/drawingml/2006/diagram" xmlns:o="urn:schemas-microsoft-com:office:office" xmlns:v="urn:schemas-microsoft-com:vml" xmlns:pvml="urn:schemas-microsoft-com:office:powerpoint" xmlns:com="http://schemas.openxmlformats.org/drawingml/2006/compatibility" xmlns:p14="http://schemas.microsoft.com/office/powerpoint/2010/main" xmlns:p15="http://schemas.microsoft.com/office/powerpoint/2012/main" xmlns:ahyp="http://schemas.microsoft.com/office/drawing/2018/hyperlinkcolor">
+  <p:cSld>
     <p:bg>
       <p:bgPr>
         <a:solidFill>
@@ -8528,7 +8748,7 @@
     </p:bg>
     <p:spTree>
       <p:nvGrpSpPr>
-        <p:cNvPr id="168" name="Shape 168"/>
+        <p:cNvPr id="176" name="Shape 176"/>
         <p:cNvGrpSpPr/>
         <p:nvPr/>
       </p:nvGrpSpPr>
@@ -8542,7 +8762,7 @@
       </p:grpSpPr>
       <p:pic>
         <p:nvPicPr>
-          <p:cNvPr id="169" name="Google Shape;169;p26"/>
+          <p:cNvPr id="177" name="Google Shape;177;p27"/>
           <p:cNvPicPr preferRelativeResize="0"/>
           <p:nvPr/>
         </p:nvPicPr>
@@ -8570,7 +8790,7 @@
       </p:pic>
       <p:pic>
         <p:nvPicPr>
-          <p:cNvPr descr="Piece of duct tape sticking a note to the slide" id="170" name="Google Shape;170;p26"/>
+          <p:cNvPr descr="Piece of duct tape sticking a note to the slide" id="178" name="Google Shape;178;p27"/>
           <p:cNvPicPr preferRelativeResize="0"/>
           <p:nvPr/>
         </p:nvPicPr>
@@ -8597,7 +8817,7 @@
       </p:pic>
       <p:sp>
         <p:nvSpPr>
-          <p:cNvPr id="171" name="Google Shape;171;p26"/>
+          <p:cNvPr id="179" name="Google Shape;179;p27"/>
           <p:cNvSpPr txBox="1"/>
           <p:nvPr/>
         </p:nvSpPr>
@@ -8655,7 +8875,7 @@
       </p:sp>
       <p:sp>
         <p:nvSpPr>
-          <p:cNvPr id="172" name="Google Shape;172;p26"/>
+          <p:cNvPr id="180" name="Google Shape;180;p27"/>
           <p:cNvSpPr txBox="1"/>
           <p:nvPr>
             <p:ph idx="4294967295" type="body"/>
@@ -8752,13 +8972,6 @@
 <file path=ppt/slides/slide2.xml><?xml version="1.0" encoding="utf-8"?>
 <p:sld xmlns:a="http://schemas.openxmlformats.org/drawingml/2006/main" xmlns:r="http://schemas.openxmlformats.org/officeDocument/2006/relationships" xmlns:mc="http://schemas.openxmlformats.org/markup-compatibility/2006" xmlns:mv="urn:schemas-microsoft-com:mac:vml" xmlns:p="http://schemas.openxmlformats.org/presentationml/2006/main" xmlns:c="http://schemas.openxmlformats.org/drawingml/2006/chart" xmlns:dgm="http://schemas.openxmlformats.org/drawingml/2006/diagram" xmlns:o="urn:schemas-microsoft-com:office:office" xmlns:v="urn:schemas-microsoft-com:vml" xmlns:pvml="urn:schemas-microsoft-com:office:powerpoint" xmlns:com="http://schemas.openxmlformats.org/drawingml/2006/compatibility" xmlns:p14="http://schemas.microsoft.com/office/powerpoint/2010/main" xmlns:p15="http://schemas.microsoft.com/office/powerpoint/2012/main" xmlns:ahyp="http://schemas.microsoft.com/office/drawing/2018/hyperlinkcolor">
   <p:cSld>
-    <p:bg>
-      <p:bgPr>
-        <a:solidFill>
-          <a:schemeClr val="dk1"/>
-        </a:solidFill>
-      </p:bgPr>
-    </p:bg>
     <p:spTree>
       <p:nvGrpSpPr>
         <p:cNvPr id="77" name="Shape 77"/>
@@ -8773,631 +8986,9 @@
           <a:chExt cx="0" cy="0"/>
         </a:xfrm>
       </p:grpSpPr>
-      <p:pic>
-        <p:nvPicPr>
-          <p:cNvPr id="78" name="Google Shape;78;p14"/>
-          <p:cNvPicPr preferRelativeResize="0"/>
-          <p:nvPr/>
-        </p:nvPicPr>
-        <p:blipFill>
-          <a:blip r:embed="rId3">
-            <a:alphaModFix/>
-          </a:blip>
-          <a:stretch>
-            <a:fillRect/>
-          </a:stretch>
-        </p:blipFill>
-        <p:spPr>
-          <a:xfrm>
-            <a:off x="2444700" y="162737"/>
-            <a:ext cx="4254600" cy="4818038"/>
-          </a:xfrm>
-          <a:prstGeom prst="rect">
-            <a:avLst/>
-          </a:prstGeom>
-          <a:noFill/>
-          <a:ln>
-            <a:noFill/>
-          </a:ln>
-        </p:spPr>
-      </p:pic>
-      <p:pic>
-        <p:nvPicPr>
-          <p:cNvPr descr="Piece of duct tape sticking a note to the slide" id="79" name="Google Shape;79;p14"/>
-          <p:cNvPicPr preferRelativeResize="0"/>
-          <p:nvPr/>
-        </p:nvPicPr>
-        <p:blipFill rotWithShape="1">
-          <a:blip r:embed="rId4">
-            <a:alphaModFix/>
-          </a:blip>
-          <a:srcRect b="10011" l="9244" r="2118" t="5926"/>
-          <a:stretch/>
-        </p:blipFill>
-        <p:spPr>
-          <a:xfrm rot="154828">
-            <a:off x="3536000" y="147301"/>
-            <a:ext cx="2072000" cy="736050"/>
-          </a:xfrm>
-          <a:prstGeom prst="rect">
-            <a:avLst/>
-          </a:prstGeom>
-          <a:noFill/>
-          <a:ln>
-            <a:noFill/>
-          </a:ln>
-        </p:spPr>
-      </p:pic>
       <p:sp>
         <p:nvSpPr>
-          <p:cNvPr id="80" name="Google Shape;80;p14"/>
-          <p:cNvSpPr txBox="1"/>
-          <p:nvPr/>
-        </p:nvSpPr>
-        <p:spPr>
-          <a:xfrm>
-            <a:off x="2855550" y="687397"/>
-            <a:ext cx="3432900" cy="762600"/>
-          </a:xfrm>
-          <a:prstGeom prst="rect">
-            <a:avLst/>
-          </a:prstGeom>
-          <a:noFill/>
-          <a:ln>
-            <a:noFill/>
-          </a:ln>
-        </p:spPr>
-        <p:txBody>
-          <a:bodyPr anchorCtr="0" anchor="b" bIns="91425" lIns="91425" spcFirstLastPara="1" rIns="91425" wrap="square" tIns="91425">
-            <a:noAutofit/>
-          </a:bodyPr>
-          <a:lstStyle/>
-          <a:p>
-            <a:pPr indent="0" lvl="0" marL="0" rtl="0" algn="l">
-              <a:spcBef>
-                <a:spcPts val="0"/>
-              </a:spcBef>
-              <a:spcAft>
-                <a:spcPts val="0"/>
-              </a:spcAft>
-              <a:buNone/>
-            </a:pPr>
-            <a:r>
-              <a:rPr b="1" lang="en" sz="3000">
-                <a:solidFill>
-                  <a:schemeClr val="lt2"/>
-                </a:solidFill>
-                <a:latin typeface="Raleway"/>
-                <a:ea typeface="Raleway"/>
-                <a:cs typeface="Raleway"/>
-                <a:sym typeface="Raleway"/>
-              </a:rPr>
-              <a:t>1. </a:t>
-            </a:r>
-            <a:r>
-              <a:rPr b="1" lang="en" sz="3000">
-                <a:solidFill>
-                  <a:schemeClr val="lt2"/>
-                </a:solidFill>
-                <a:latin typeface="Raleway"/>
-                <a:ea typeface="Raleway"/>
-                <a:cs typeface="Raleway"/>
-                <a:sym typeface="Raleway"/>
-              </a:rPr>
-              <a:t>Intro</a:t>
-            </a:r>
-            <a:endParaRPr b="1" sz="3000">
-              <a:solidFill>
-                <a:schemeClr val="lt2"/>
-              </a:solidFill>
-              <a:latin typeface="Raleway"/>
-              <a:ea typeface="Raleway"/>
-              <a:cs typeface="Raleway"/>
-              <a:sym typeface="Raleway"/>
-            </a:endParaRPr>
-          </a:p>
-        </p:txBody>
-      </p:sp>
-      <p:sp>
-        <p:nvSpPr>
-          <p:cNvPr id="81" name="Google Shape;81;p14"/>
-          <p:cNvSpPr txBox="1"/>
-          <p:nvPr>
-            <p:ph idx="4294967295" type="body"/>
-          </p:nvPr>
-        </p:nvSpPr>
-        <p:spPr>
-          <a:xfrm>
-            <a:off x="2855550" y="1377480"/>
-            <a:ext cx="3432900" cy="3327900"/>
-          </a:xfrm>
-          <a:prstGeom prst="rect">
-            <a:avLst/>
-          </a:prstGeom>
-        </p:spPr>
-        <p:txBody>
-          <a:bodyPr anchorCtr="0" anchor="t" bIns="91425" lIns="91425" spcFirstLastPara="1" rIns="91425" wrap="square" tIns="91425">
-            <a:noAutofit/>
-          </a:bodyPr>
-          <a:lstStyle/>
-          <a:p>
-            <a:pPr indent="-330200" lvl="0" marL="457200" rtl="0" algn="l">
-              <a:lnSpc>
-                <a:spcPct val="100000"/>
-              </a:lnSpc>
-              <a:spcBef>
-                <a:spcPts val="0"/>
-              </a:spcBef>
-              <a:spcAft>
-                <a:spcPts val="0"/>
-              </a:spcAft>
-              <a:buClr>
-                <a:schemeClr val="dk1"/>
-              </a:buClr>
-              <a:buSzPts val="1600"/>
-              <a:buFont typeface="Raleway"/>
-              <a:buChar char="➔"/>
-            </a:pPr>
-            <a:r>
-              <a:rPr b="1" lang="en" sz="1600">
-                <a:solidFill>
-                  <a:schemeClr val="dk1"/>
-                </a:solidFill>
-                <a:latin typeface="Raleway"/>
-                <a:ea typeface="Raleway"/>
-                <a:cs typeface="Raleway"/>
-                <a:sym typeface="Raleway"/>
-              </a:rPr>
-              <a:t>Team</a:t>
-            </a:r>
-            <a:endParaRPr sz="1600">
-              <a:latin typeface="Raleway"/>
-              <a:ea typeface="Raleway"/>
-              <a:cs typeface="Raleway"/>
-              <a:sym typeface="Raleway"/>
-            </a:endParaRPr>
-          </a:p>
-          <a:p>
-            <a:pPr indent="-330200" lvl="0" marL="457200" rtl="0" algn="l">
-              <a:lnSpc>
-                <a:spcPct val="100000"/>
-              </a:lnSpc>
-              <a:spcBef>
-                <a:spcPts val="0"/>
-              </a:spcBef>
-              <a:spcAft>
-                <a:spcPts val="0"/>
-              </a:spcAft>
-              <a:buClr>
-                <a:schemeClr val="dk1"/>
-              </a:buClr>
-              <a:buSzPts val="1600"/>
-              <a:buFont typeface="Raleway"/>
-              <a:buChar char="➔"/>
-            </a:pPr>
-            <a:r>
-              <a:rPr b="1" lang="en" sz="1600" u="sng">
-                <a:solidFill>
-                  <a:schemeClr val="hlink"/>
-                </a:solidFill>
-                <a:latin typeface="Raleway"/>
-                <a:ea typeface="Raleway"/>
-                <a:cs typeface="Raleway"/>
-                <a:sym typeface="Raleway"/>
-                <a:hlinkClick r:id="rId5"/>
-              </a:rPr>
-              <a:t>Project</a:t>
-            </a:r>
-            <a:endParaRPr b="1" sz="1600">
-              <a:solidFill>
-                <a:schemeClr val="dk1"/>
-              </a:solidFill>
-              <a:latin typeface="Raleway"/>
-              <a:ea typeface="Raleway"/>
-              <a:cs typeface="Raleway"/>
-              <a:sym typeface="Raleway"/>
-            </a:endParaRPr>
-          </a:p>
-          <a:p>
-            <a:pPr indent="-330200" lvl="0" marL="457200" rtl="0" algn="l">
-              <a:lnSpc>
-                <a:spcPct val="100000"/>
-              </a:lnSpc>
-              <a:spcBef>
-                <a:spcPts val="0"/>
-              </a:spcBef>
-              <a:spcAft>
-                <a:spcPts val="0"/>
-              </a:spcAft>
-              <a:buClr>
-                <a:schemeClr val="dk1"/>
-              </a:buClr>
-              <a:buSzPts val="1600"/>
-              <a:buFont typeface="Raleway"/>
-              <a:buChar char="➔"/>
-            </a:pPr>
-            <a:r>
-              <a:rPr b="1" lang="en" sz="1600">
-                <a:solidFill>
-                  <a:schemeClr val="dk1"/>
-                </a:solidFill>
-                <a:latin typeface="Raleway"/>
-                <a:ea typeface="Raleway"/>
-                <a:cs typeface="Raleway"/>
-                <a:sym typeface="Raleway"/>
-              </a:rPr>
-              <a:t>Goal</a:t>
-            </a:r>
-            <a:endParaRPr b="1" sz="1600">
-              <a:solidFill>
-                <a:schemeClr val="dk1"/>
-              </a:solidFill>
-              <a:latin typeface="Raleway"/>
-              <a:ea typeface="Raleway"/>
-              <a:cs typeface="Raleway"/>
-              <a:sym typeface="Raleway"/>
-            </a:endParaRPr>
-          </a:p>
-          <a:p>
-            <a:pPr indent="0" lvl="0" marL="457200" rtl="0" algn="l">
-              <a:lnSpc>
-                <a:spcPct val="100000"/>
-              </a:lnSpc>
-              <a:spcBef>
-                <a:spcPts val="0"/>
-              </a:spcBef>
-              <a:spcAft>
-                <a:spcPts val="0"/>
-              </a:spcAft>
-              <a:buNone/>
-            </a:pPr>
-            <a:r>
-              <a:rPr b="1" lang="en" sz="1600">
-                <a:solidFill>
-                  <a:schemeClr val="dk1"/>
-                </a:solidFill>
-                <a:latin typeface="Raleway"/>
-                <a:ea typeface="Raleway"/>
-                <a:cs typeface="Raleway"/>
-                <a:sym typeface="Raleway"/>
-              </a:rPr>
-              <a:t>- What</a:t>
-            </a:r>
-            <a:endParaRPr b="1" sz="1600">
-              <a:solidFill>
-                <a:schemeClr val="dk1"/>
-              </a:solidFill>
-              <a:latin typeface="Raleway"/>
-              <a:ea typeface="Raleway"/>
-              <a:cs typeface="Raleway"/>
-              <a:sym typeface="Raleway"/>
-            </a:endParaRPr>
-          </a:p>
-          <a:p>
-            <a:pPr indent="0" lvl="0" marL="457200" rtl="0" algn="l">
-              <a:lnSpc>
-                <a:spcPct val="100000"/>
-              </a:lnSpc>
-              <a:spcBef>
-                <a:spcPts val="0"/>
-              </a:spcBef>
-              <a:spcAft>
-                <a:spcPts val="0"/>
-              </a:spcAft>
-              <a:buNone/>
-            </a:pPr>
-            <a:r>
-              <a:rPr b="1" lang="en" sz="1600">
-                <a:solidFill>
-                  <a:schemeClr val="dk1"/>
-                </a:solidFill>
-                <a:latin typeface="Raleway"/>
-                <a:ea typeface="Raleway"/>
-                <a:cs typeface="Raleway"/>
-                <a:sym typeface="Raleway"/>
-              </a:rPr>
-              <a:t>- When</a:t>
-            </a:r>
-            <a:endParaRPr b="1" sz="1600">
-              <a:solidFill>
-                <a:schemeClr val="dk1"/>
-              </a:solidFill>
-              <a:latin typeface="Raleway"/>
-              <a:ea typeface="Raleway"/>
-              <a:cs typeface="Raleway"/>
-              <a:sym typeface="Raleway"/>
-            </a:endParaRPr>
-          </a:p>
-          <a:p>
-            <a:pPr indent="0" lvl="0" marL="457200" rtl="0" algn="l">
-              <a:lnSpc>
-                <a:spcPct val="100000"/>
-              </a:lnSpc>
-              <a:spcBef>
-                <a:spcPts val="0"/>
-              </a:spcBef>
-              <a:spcAft>
-                <a:spcPts val="0"/>
-              </a:spcAft>
-              <a:buNone/>
-            </a:pPr>
-            <a:r>
-              <a:rPr b="1" lang="en" sz="1600">
-                <a:solidFill>
-                  <a:schemeClr val="dk1"/>
-                </a:solidFill>
-                <a:latin typeface="Raleway"/>
-                <a:ea typeface="Raleway"/>
-                <a:cs typeface="Raleway"/>
-                <a:sym typeface="Raleway"/>
-              </a:rPr>
-              <a:t>- How Much</a:t>
-            </a:r>
-            <a:endParaRPr b="1" sz="1600">
-              <a:solidFill>
-                <a:schemeClr val="dk1"/>
-              </a:solidFill>
-              <a:latin typeface="Raleway"/>
-              <a:ea typeface="Raleway"/>
-              <a:cs typeface="Raleway"/>
-              <a:sym typeface="Raleway"/>
-            </a:endParaRPr>
-          </a:p>
-          <a:p>
-            <a:pPr indent="-330200" lvl="0" marL="457200" rtl="0" algn="l">
-              <a:lnSpc>
-                <a:spcPct val="100000"/>
-              </a:lnSpc>
-              <a:spcBef>
-                <a:spcPts val="0"/>
-              </a:spcBef>
-              <a:spcAft>
-                <a:spcPts val="0"/>
-              </a:spcAft>
-              <a:buClr>
-                <a:schemeClr val="dk1"/>
-              </a:buClr>
-              <a:buSzPts val="1600"/>
-              <a:buFont typeface="Raleway"/>
-              <a:buChar char="➔"/>
-            </a:pPr>
-            <a:r>
-              <a:rPr b="1" lang="en" sz="1600">
-                <a:solidFill>
-                  <a:schemeClr val="dk1"/>
-                </a:solidFill>
-                <a:latin typeface="Raleway"/>
-                <a:ea typeface="Raleway"/>
-                <a:cs typeface="Raleway"/>
-                <a:sym typeface="Raleway"/>
-              </a:rPr>
-              <a:t>Team Responsibilities</a:t>
-            </a:r>
-            <a:endParaRPr b="1" sz="1600">
-              <a:solidFill>
-                <a:schemeClr val="dk1"/>
-              </a:solidFill>
-              <a:latin typeface="Raleway"/>
-              <a:ea typeface="Raleway"/>
-              <a:cs typeface="Raleway"/>
-              <a:sym typeface="Raleway"/>
-            </a:endParaRPr>
-          </a:p>
-          <a:p>
-            <a:pPr indent="-330200" lvl="0" marL="457200" rtl="0" algn="l">
-              <a:lnSpc>
-                <a:spcPct val="100000"/>
-              </a:lnSpc>
-              <a:spcBef>
-                <a:spcPts val="0"/>
-              </a:spcBef>
-              <a:spcAft>
-                <a:spcPts val="0"/>
-              </a:spcAft>
-              <a:buClr>
-                <a:schemeClr val="dk1"/>
-              </a:buClr>
-              <a:buSzPts val="1600"/>
-              <a:buFont typeface="Raleway"/>
-              <a:buChar char="➔"/>
-            </a:pPr>
-            <a:r>
-              <a:rPr b="1" lang="en" sz="1600">
-                <a:solidFill>
-                  <a:schemeClr val="dk1"/>
-                </a:solidFill>
-                <a:latin typeface="Raleway"/>
-                <a:ea typeface="Raleway"/>
-                <a:cs typeface="Raleway"/>
-                <a:sym typeface="Raleway"/>
-              </a:rPr>
-              <a:t>Product Backlog</a:t>
-            </a:r>
-            <a:endParaRPr b="1" sz="1600">
-              <a:solidFill>
-                <a:schemeClr val="dk1"/>
-              </a:solidFill>
-              <a:latin typeface="Raleway"/>
-              <a:ea typeface="Raleway"/>
-              <a:cs typeface="Raleway"/>
-              <a:sym typeface="Raleway"/>
-            </a:endParaRPr>
-          </a:p>
-          <a:p>
-            <a:pPr indent="0" lvl="0" marL="457200" rtl="0" algn="l">
-              <a:lnSpc>
-                <a:spcPct val="100000"/>
-              </a:lnSpc>
-              <a:spcBef>
-                <a:spcPts val="0"/>
-              </a:spcBef>
-              <a:spcAft>
-                <a:spcPts val="0"/>
-              </a:spcAft>
-              <a:buNone/>
-            </a:pPr>
-            <a:r>
-              <a:rPr b="1" lang="en" sz="1600">
-                <a:solidFill>
-                  <a:schemeClr val="dk1"/>
-                </a:solidFill>
-                <a:latin typeface="Raleway"/>
-                <a:ea typeface="Raleway"/>
-                <a:cs typeface="Raleway"/>
-                <a:sym typeface="Raleway"/>
-              </a:rPr>
-              <a:t>- User Stories</a:t>
-            </a:r>
-            <a:endParaRPr b="1" sz="1600">
-              <a:solidFill>
-                <a:schemeClr val="dk1"/>
-              </a:solidFill>
-              <a:latin typeface="Raleway"/>
-              <a:ea typeface="Raleway"/>
-              <a:cs typeface="Raleway"/>
-              <a:sym typeface="Raleway"/>
-            </a:endParaRPr>
-          </a:p>
-          <a:p>
-            <a:pPr indent="0" lvl="0" marL="457200" rtl="0" algn="l">
-              <a:lnSpc>
-                <a:spcPct val="100000"/>
-              </a:lnSpc>
-              <a:spcBef>
-                <a:spcPts val="0"/>
-              </a:spcBef>
-              <a:spcAft>
-                <a:spcPts val="0"/>
-              </a:spcAft>
-              <a:buNone/>
-            </a:pPr>
-            <a:r>
-              <a:rPr b="1" lang="en" sz="1600">
-                <a:solidFill>
-                  <a:schemeClr val="dk1"/>
-                </a:solidFill>
-                <a:latin typeface="Raleway"/>
-                <a:ea typeface="Raleway"/>
-                <a:cs typeface="Raleway"/>
-                <a:sym typeface="Raleway"/>
-              </a:rPr>
-              <a:t>- Priority</a:t>
-            </a:r>
-            <a:endParaRPr b="1" sz="1600">
-              <a:solidFill>
-                <a:schemeClr val="dk1"/>
-              </a:solidFill>
-              <a:latin typeface="Raleway"/>
-              <a:ea typeface="Raleway"/>
-              <a:cs typeface="Raleway"/>
-              <a:sym typeface="Raleway"/>
-            </a:endParaRPr>
-          </a:p>
-          <a:p>
-            <a:pPr indent="0" lvl="0" marL="457200" rtl="0" algn="l">
-              <a:lnSpc>
-                <a:spcPct val="100000"/>
-              </a:lnSpc>
-              <a:spcBef>
-                <a:spcPts val="0"/>
-              </a:spcBef>
-              <a:spcAft>
-                <a:spcPts val="0"/>
-              </a:spcAft>
-              <a:buNone/>
-            </a:pPr>
-            <a:r>
-              <a:rPr b="1" lang="en" sz="1600">
-                <a:solidFill>
-                  <a:schemeClr val="dk1"/>
-                </a:solidFill>
-                <a:latin typeface="Raleway"/>
-                <a:ea typeface="Raleway"/>
-                <a:cs typeface="Raleway"/>
-                <a:sym typeface="Raleway"/>
-              </a:rPr>
-              <a:t>- Size Estimate</a:t>
-            </a:r>
-            <a:endParaRPr b="1" sz="1600">
-              <a:solidFill>
-                <a:schemeClr val="dk1"/>
-              </a:solidFill>
-              <a:latin typeface="Raleway"/>
-              <a:ea typeface="Raleway"/>
-              <a:cs typeface="Raleway"/>
-              <a:sym typeface="Raleway"/>
-            </a:endParaRPr>
-          </a:p>
-          <a:p>
-            <a:pPr indent="-330200" lvl="0" marL="457200" rtl="0" algn="l">
-              <a:lnSpc>
-                <a:spcPct val="100000"/>
-              </a:lnSpc>
-              <a:spcBef>
-                <a:spcPts val="0"/>
-              </a:spcBef>
-              <a:spcAft>
-                <a:spcPts val="0"/>
-              </a:spcAft>
-              <a:buClr>
-                <a:schemeClr val="dk1"/>
-              </a:buClr>
-              <a:buSzPts val="1600"/>
-              <a:buFont typeface="Raleway"/>
-              <a:buChar char="➔"/>
-            </a:pPr>
-            <a:r>
-              <a:rPr b="1" lang="en" sz="1600">
-                <a:solidFill>
-                  <a:schemeClr val="dk1"/>
-                </a:solidFill>
-                <a:latin typeface="Raleway"/>
-                <a:ea typeface="Raleway"/>
-                <a:cs typeface="Raleway"/>
-                <a:sym typeface="Raleway"/>
-              </a:rPr>
-              <a:t>Acceptance Criteria</a:t>
-            </a:r>
-            <a:endParaRPr b="1" sz="1600">
-              <a:solidFill>
-                <a:schemeClr val="dk1"/>
-              </a:solidFill>
-              <a:latin typeface="Raleway"/>
-              <a:ea typeface="Raleway"/>
-              <a:cs typeface="Raleway"/>
-              <a:sym typeface="Raleway"/>
-            </a:endParaRPr>
-          </a:p>
-        </p:txBody>
-      </p:sp>
-    </p:spTree>
-  </p:cSld>
-  <p:clrMapOvr>
-    <a:masterClrMapping/>
-  </p:clrMapOvr>
-</p:sld>
-</file>
-
-<file path=ppt/slides/slide3.xml><?xml version="1.0" encoding="utf-8"?>
-<p:sld xmlns:a="http://schemas.openxmlformats.org/drawingml/2006/main" xmlns:r="http://schemas.openxmlformats.org/officeDocument/2006/relationships" xmlns:mc="http://schemas.openxmlformats.org/markup-compatibility/2006" xmlns:mv="urn:schemas-microsoft-com:mac:vml" xmlns:p="http://schemas.openxmlformats.org/presentationml/2006/main" xmlns:c="http://schemas.openxmlformats.org/drawingml/2006/chart" xmlns:dgm="http://schemas.openxmlformats.org/drawingml/2006/diagram" xmlns:o="urn:schemas-microsoft-com:office:office" xmlns:v="urn:schemas-microsoft-com:vml" xmlns:pvml="urn:schemas-microsoft-com:office:powerpoint" xmlns:com="http://schemas.openxmlformats.org/drawingml/2006/compatibility" xmlns:p14="http://schemas.microsoft.com/office/powerpoint/2010/main" xmlns:p15="http://schemas.microsoft.com/office/powerpoint/2012/main" xmlns:ahyp="http://schemas.microsoft.com/office/drawing/2018/hyperlinkcolor">
-  <p:cSld>
-    <p:spTree>
-      <p:nvGrpSpPr>
-        <p:cNvPr id="85" name="Shape 85"/>
-        <p:cNvGrpSpPr/>
-        <p:nvPr/>
-      </p:nvGrpSpPr>
-      <p:grpSpPr>
-        <a:xfrm>
-          <a:off x="0" y="0"/>
-          <a:ext cx="0" cy="0"/>
-          <a:chOff x="0" y="0"/>
-          <a:chExt cx="0" cy="0"/>
-        </a:xfrm>
-      </p:grpSpPr>
-      <p:sp>
-        <p:nvSpPr>
-          <p:cNvPr id="86" name="Google Shape;86;p15"/>
+          <p:cNvPr id="78" name="Google Shape;78;p14"/>
           <p:cNvSpPr txBox="1"/>
           <p:nvPr>
             <p:ph idx="4294967295" type="title"/>
@@ -9441,7 +9032,7 @@
       </p:sp>
       <p:sp>
         <p:nvSpPr>
-          <p:cNvPr id="87" name="Google Shape;87;p15"/>
+          <p:cNvPr id="79" name="Google Shape;79;p14"/>
           <p:cNvSpPr txBox="1"/>
           <p:nvPr>
             <p:ph idx="4294967295" type="title"/>
@@ -9633,7 +9224,7 @@
       </p:sp>
       <p:pic>
         <p:nvPicPr>
-          <p:cNvPr id="88" name="Google Shape;88;p15">
+          <p:cNvPr id="80" name="Google Shape;80;p14">
             <a:hlinkClick r:id="rId3"/>
           </p:cNvPr>
           <p:cNvPicPr preferRelativeResize="0"/>
@@ -9669,12 +9260,12 @@
 </p:sld>
 </file>
 
-<file path=ppt/slides/slide4.xml><?xml version="1.0" encoding="utf-8"?>
+<file path=ppt/slides/slide3.xml><?xml version="1.0" encoding="utf-8"?>
 <p:sld xmlns:a="http://schemas.openxmlformats.org/drawingml/2006/main" xmlns:r="http://schemas.openxmlformats.org/officeDocument/2006/relationships" xmlns:mc="http://schemas.openxmlformats.org/markup-compatibility/2006" xmlns:mv="urn:schemas-microsoft-com:mac:vml" xmlns:p="http://schemas.openxmlformats.org/presentationml/2006/main" xmlns:c="http://schemas.openxmlformats.org/drawingml/2006/chart" xmlns:dgm="http://schemas.openxmlformats.org/drawingml/2006/diagram" xmlns:o="urn:schemas-microsoft-com:office:office" xmlns:v="urn:schemas-microsoft-com:vml" xmlns:pvml="urn:schemas-microsoft-com:office:powerpoint" xmlns:com="http://schemas.openxmlformats.org/drawingml/2006/compatibility" xmlns:p14="http://schemas.microsoft.com/office/powerpoint/2010/main" xmlns:p15="http://schemas.microsoft.com/office/powerpoint/2012/main" xmlns:ahyp="http://schemas.microsoft.com/office/drawing/2018/hyperlinkcolor">
   <p:cSld>
     <p:spTree>
       <p:nvGrpSpPr>
-        <p:cNvPr id="92" name="Shape 92"/>
+        <p:cNvPr id="84" name="Shape 84"/>
         <p:cNvGrpSpPr/>
         <p:nvPr/>
       </p:nvGrpSpPr>
@@ -9688,7 +9279,7 @@
       </p:grpSpPr>
       <p:sp>
         <p:nvSpPr>
-          <p:cNvPr id="93" name="Google Shape;93;p16"/>
+          <p:cNvPr id="85" name="Google Shape;85;p15"/>
           <p:cNvSpPr txBox="1"/>
           <p:nvPr>
             <p:ph type="title"/>
@@ -9720,7 +9311,11 @@
             </a:pPr>
             <a:r>
               <a:rPr lang="en"/>
-              <a:t>Spring goal</a:t>
+              <a:t>Members Responsibility:</a:t>
+            </a:r>
+            <a:r>
+              <a:rPr lang="en"/>
+              <a:t> </a:t>
             </a:r>
             <a:endParaRPr/>
           </a:p>
@@ -9728,7 +9323,7 @@
       </p:sp>
       <p:sp>
         <p:nvSpPr>
-          <p:cNvPr id="94" name="Google Shape;94;p16"/>
+          <p:cNvPr id="86" name="Google Shape;86;p15"/>
           <p:cNvSpPr/>
           <p:nvPr/>
         </p:nvSpPr>
@@ -9774,7 +9369,428 @@
       </p:sp>
       <p:sp>
         <p:nvSpPr>
-          <p:cNvPr id="95" name="Google Shape;95;p16"/>
+          <p:cNvPr id="87" name="Google Shape;87;p15"/>
+          <p:cNvSpPr/>
+          <p:nvPr/>
+        </p:nvSpPr>
+        <p:spPr>
+          <a:xfrm>
+            <a:off x="3210432" y="1988900"/>
+            <a:ext cx="2629500" cy="2244900"/>
+          </a:xfrm>
+          <a:prstGeom prst="wedgeRectCallout">
+            <a:avLst>
+              <a:gd fmla="val -20833" name="adj1"/>
+              <a:gd fmla="val 62500" name="adj2"/>
+            </a:avLst>
+          </a:prstGeom>
+          <a:solidFill>
+            <a:srgbClr val="B45F06"/>
+          </a:solidFill>
+          <a:ln>
+            <a:noFill/>
+          </a:ln>
+        </p:spPr>
+        <p:txBody>
+          <a:bodyPr anchorCtr="0" anchor="ctr" bIns="91425" lIns="91425" spcFirstLastPara="1" rIns="91425" wrap="square" tIns="91425">
+            <a:noAutofit/>
+          </a:bodyPr>
+          <a:lstStyle/>
+          <a:p>
+            <a:pPr indent="0" lvl="0" marL="0" rtl="0" algn="l">
+              <a:spcBef>
+                <a:spcPts val="0"/>
+              </a:spcBef>
+              <a:spcAft>
+                <a:spcPts val="0"/>
+              </a:spcAft>
+              <a:buNone/>
+            </a:pPr>
+            <a:r>
+              <a:t/>
+            </a:r>
+            <a:endParaRPr/>
+          </a:p>
+        </p:txBody>
+      </p:sp>
+      <p:sp>
+        <p:nvSpPr>
+          <p:cNvPr id="88" name="Google Shape;88;p15"/>
+          <p:cNvSpPr/>
+          <p:nvPr/>
+        </p:nvSpPr>
+        <p:spPr>
+          <a:xfrm>
+            <a:off x="6049089" y="1988900"/>
+            <a:ext cx="2629500" cy="2244900"/>
+          </a:xfrm>
+          <a:prstGeom prst="wedgeRectCallout">
+            <a:avLst>
+              <a:gd fmla="val -20833" name="adj1"/>
+              <a:gd fmla="val 62500" name="adj2"/>
+            </a:avLst>
+          </a:prstGeom>
+          <a:solidFill>
+            <a:srgbClr val="274E13"/>
+          </a:solidFill>
+          <a:ln>
+            <a:noFill/>
+          </a:ln>
+        </p:spPr>
+        <p:txBody>
+          <a:bodyPr anchorCtr="0" anchor="ctr" bIns="91425" lIns="91425" spcFirstLastPara="1" rIns="91425" wrap="square" tIns="91425">
+            <a:noAutofit/>
+          </a:bodyPr>
+          <a:lstStyle/>
+          <a:p>
+            <a:pPr indent="0" lvl="0" marL="0" rtl="0" algn="l">
+              <a:spcBef>
+                <a:spcPts val="0"/>
+              </a:spcBef>
+              <a:spcAft>
+                <a:spcPts val="0"/>
+              </a:spcAft>
+              <a:buNone/>
+            </a:pPr>
+            <a:r>
+              <a:t/>
+            </a:r>
+            <a:endParaRPr/>
+          </a:p>
+        </p:txBody>
+      </p:sp>
+      <p:sp>
+        <p:nvSpPr>
+          <p:cNvPr id="89" name="Google Shape;89;p15"/>
+          <p:cNvSpPr txBox="1"/>
+          <p:nvPr>
+            <p:ph type="title"/>
+          </p:nvPr>
+        </p:nvSpPr>
+        <p:spPr>
+          <a:xfrm>
+            <a:off x="6125275" y="2061900"/>
+            <a:ext cx="2481600" cy="2005800"/>
+          </a:xfrm>
+          <a:prstGeom prst="rect">
+            <a:avLst/>
+          </a:prstGeom>
+        </p:spPr>
+        <p:txBody>
+          <a:bodyPr anchorCtr="0" anchor="t" bIns="91425" lIns="91425" spcFirstLastPara="1" rIns="91425" wrap="square" tIns="91425">
+            <a:noAutofit/>
+          </a:bodyPr>
+          <a:lstStyle/>
+          <a:p>
+            <a:pPr indent="0" lvl="0" marL="0" rtl="0" algn="l">
+              <a:spcBef>
+                <a:spcPts val="0"/>
+              </a:spcBef>
+              <a:spcAft>
+                <a:spcPts val="0"/>
+              </a:spcAft>
+              <a:buNone/>
+            </a:pPr>
+            <a:r>
+              <a:rPr lang="en" sz="2100"/>
+              <a:t>Yixin Zhao</a:t>
+            </a:r>
+            <a:r>
+              <a:rPr lang="en" sz="2100"/>
+              <a:t> </a:t>
+            </a:r>
+            <a:endParaRPr sz="2100">
+              <a:solidFill>
+                <a:schemeClr val="lt1"/>
+              </a:solidFill>
+            </a:endParaRPr>
+          </a:p>
+          <a:p>
+            <a:pPr indent="0" lvl="0" marL="0" rtl="0" algn="l">
+              <a:spcBef>
+                <a:spcPts val="1200"/>
+              </a:spcBef>
+              <a:spcAft>
+                <a:spcPts val="1200"/>
+              </a:spcAft>
+              <a:buNone/>
+            </a:pPr>
+            <a:r>
+              <a:rPr b="0" lang="en" sz="1400"/>
+              <a:t>Frontend</a:t>
+            </a:r>
+            <a:endParaRPr b="0" sz="1400">
+              <a:solidFill>
+                <a:schemeClr val="lt1"/>
+              </a:solidFill>
+            </a:endParaRPr>
+          </a:p>
+        </p:txBody>
+      </p:sp>
+      <p:sp>
+        <p:nvSpPr>
+          <p:cNvPr id="90" name="Google Shape;90;p15"/>
+          <p:cNvSpPr txBox="1"/>
+          <p:nvPr>
+            <p:ph type="title"/>
+          </p:nvPr>
+        </p:nvSpPr>
+        <p:spPr>
+          <a:xfrm>
+            <a:off x="447975" y="2061900"/>
+            <a:ext cx="2481600" cy="2005800"/>
+          </a:xfrm>
+          <a:prstGeom prst="rect">
+            <a:avLst/>
+          </a:prstGeom>
+        </p:spPr>
+        <p:txBody>
+          <a:bodyPr anchorCtr="0" anchor="t" bIns="91425" lIns="91425" spcFirstLastPara="1" rIns="91425" wrap="square" tIns="91425">
+            <a:noAutofit/>
+          </a:bodyPr>
+          <a:lstStyle/>
+          <a:p>
+            <a:pPr indent="0" lvl="0" marL="0" rtl="0" algn="l">
+              <a:spcBef>
+                <a:spcPts val="0"/>
+              </a:spcBef>
+              <a:spcAft>
+                <a:spcPts val="0"/>
+              </a:spcAft>
+              <a:buNone/>
+            </a:pPr>
+            <a:r>
+              <a:rPr lang="en" sz="2100"/>
+              <a:t>Kumar Akshat</a:t>
+            </a:r>
+            <a:endParaRPr sz="2100">
+              <a:solidFill>
+                <a:schemeClr val="lt1"/>
+              </a:solidFill>
+            </a:endParaRPr>
+          </a:p>
+          <a:p>
+            <a:pPr indent="0" lvl="0" marL="0" rtl="0" algn="l">
+              <a:spcBef>
+                <a:spcPts val="1200"/>
+              </a:spcBef>
+              <a:spcAft>
+                <a:spcPts val="0"/>
+              </a:spcAft>
+              <a:buNone/>
+            </a:pPr>
+            <a:r>
+              <a:rPr b="0" lang="en" sz="1400"/>
+              <a:t>Backend</a:t>
+            </a:r>
+            <a:endParaRPr b="0" sz="1400"/>
+          </a:p>
+          <a:p>
+            <a:pPr indent="0" lvl="0" marL="0" rtl="0" algn="l">
+              <a:spcBef>
+                <a:spcPts val="1200"/>
+              </a:spcBef>
+              <a:spcAft>
+                <a:spcPts val="1200"/>
+              </a:spcAft>
+              <a:buNone/>
+            </a:pPr>
+            <a:r>
+              <a:t/>
+            </a:r>
+            <a:endParaRPr b="0" sz="1400"/>
+          </a:p>
+        </p:txBody>
+      </p:sp>
+      <p:sp>
+        <p:nvSpPr>
+          <p:cNvPr id="91" name="Google Shape;91;p15"/>
+          <p:cNvSpPr txBox="1"/>
+          <p:nvPr>
+            <p:ph type="title"/>
+          </p:nvPr>
+        </p:nvSpPr>
+        <p:spPr>
+          <a:xfrm>
+            <a:off x="3286625" y="2061900"/>
+            <a:ext cx="2481600" cy="2005800"/>
+          </a:xfrm>
+          <a:prstGeom prst="rect">
+            <a:avLst/>
+          </a:prstGeom>
+        </p:spPr>
+        <p:txBody>
+          <a:bodyPr anchorCtr="0" anchor="t" bIns="91425" lIns="91425" spcFirstLastPara="1" rIns="91425" wrap="square" tIns="91425">
+            <a:noAutofit/>
+          </a:bodyPr>
+          <a:lstStyle/>
+          <a:p>
+            <a:pPr indent="0" lvl="0" marL="0" rtl="0" algn="l">
+              <a:spcBef>
+                <a:spcPts val="0"/>
+              </a:spcBef>
+              <a:spcAft>
+                <a:spcPts val="0"/>
+              </a:spcAft>
+              <a:buNone/>
+            </a:pPr>
+            <a:r>
+              <a:rPr lang="en" sz="2100"/>
+              <a:t>Chetan Birthare</a:t>
+            </a:r>
+            <a:endParaRPr sz="2100">
+              <a:solidFill>
+                <a:schemeClr val="lt1"/>
+              </a:solidFill>
+            </a:endParaRPr>
+          </a:p>
+          <a:p>
+            <a:pPr indent="0" lvl="0" marL="0" rtl="0" algn="l">
+              <a:spcBef>
+                <a:spcPts val="1200"/>
+              </a:spcBef>
+              <a:spcAft>
+                <a:spcPts val="0"/>
+              </a:spcAft>
+              <a:buNone/>
+            </a:pPr>
+            <a:r>
+              <a:rPr b="0" lang="en" sz="1400"/>
+              <a:t>Backend</a:t>
+            </a:r>
+            <a:endParaRPr b="0" sz="1400"/>
+          </a:p>
+          <a:p>
+            <a:pPr indent="0" lvl="0" marL="0" rtl="0" algn="l">
+              <a:spcBef>
+                <a:spcPts val="1200"/>
+              </a:spcBef>
+              <a:spcAft>
+                <a:spcPts val="1200"/>
+              </a:spcAft>
+              <a:buNone/>
+            </a:pPr>
+            <a:r>
+              <a:t/>
+            </a:r>
+            <a:endParaRPr b="0" sz="1400"/>
+          </a:p>
+        </p:txBody>
+      </p:sp>
+    </p:spTree>
+  </p:cSld>
+  <p:clrMapOvr>
+    <a:masterClrMapping/>
+  </p:clrMapOvr>
+</p:sld>
+</file>
+
+<file path=ppt/slides/slide4.xml><?xml version="1.0" encoding="utf-8"?>
+<p:sld xmlns:a="http://schemas.openxmlformats.org/drawingml/2006/main" xmlns:r="http://schemas.openxmlformats.org/officeDocument/2006/relationships" xmlns:mc="http://schemas.openxmlformats.org/markup-compatibility/2006" xmlns:mv="urn:schemas-microsoft-com:mac:vml" xmlns:p="http://schemas.openxmlformats.org/presentationml/2006/main" xmlns:c="http://schemas.openxmlformats.org/drawingml/2006/chart" xmlns:dgm="http://schemas.openxmlformats.org/drawingml/2006/diagram" xmlns:o="urn:schemas-microsoft-com:office:office" xmlns:v="urn:schemas-microsoft-com:vml" xmlns:pvml="urn:schemas-microsoft-com:office:powerpoint" xmlns:com="http://schemas.openxmlformats.org/drawingml/2006/compatibility" xmlns:p14="http://schemas.microsoft.com/office/powerpoint/2010/main" xmlns:p15="http://schemas.microsoft.com/office/powerpoint/2012/main" xmlns:ahyp="http://schemas.microsoft.com/office/drawing/2018/hyperlinkcolor">
+  <p:cSld>
+    <p:spTree>
+      <p:nvGrpSpPr>
+        <p:cNvPr id="95" name="Shape 95"/>
+        <p:cNvGrpSpPr/>
+        <p:nvPr/>
+      </p:nvGrpSpPr>
+      <p:grpSpPr>
+        <a:xfrm>
+          <a:off x="0" y="0"/>
+          <a:ext cx="0" cy="0"/>
+          <a:chOff x="0" y="0"/>
+          <a:chExt cx="0" cy="0"/>
+        </a:xfrm>
+      </p:grpSpPr>
+      <p:sp>
+        <p:nvSpPr>
+          <p:cNvPr id="96" name="Google Shape;96;p16"/>
+          <p:cNvSpPr txBox="1"/>
+          <p:nvPr>
+            <p:ph type="title"/>
+          </p:nvPr>
+        </p:nvSpPr>
+        <p:spPr>
+          <a:xfrm>
+            <a:off x="283100" y="712150"/>
+            <a:ext cx="8620500" cy="1019700"/>
+          </a:xfrm>
+          <a:prstGeom prst="rect">
+            <a:avLst/>
+          </a:prstGeom>
+        </p:spPr>
+        <p:txBody>
+          <a:bodyPr anchorCtr="0" anchor="t" bIns="91425" lIns="91425" spcFirstLastPara="1" rIns="91425" wrap="square" tIns="91425">
+            <a:noAutofit/>
+          </a:bodyPr>
+          <a:lstStyle/>
+          <a:p>
+            <a:pPr indent="0" lvl="0" marL="0" rtl="0" algn="l">
+              <a:spcBef>
+                <a:spcPts val="0"/>
+              </a:spcBef>
+              <a:spcAft>
+                <a:spcPts val="0"/>
+              </a:spcAft>
+              <a:buNone/>
+            </a:pPr>
+            <a:r>
+              <a:rPr lang="en"/>
+              <a:t>Spring goal</a:t>
+            </a:r>
+            <a:endParaRPr/>
+          </a:p>
+        </p:txBody>
+      </p:sp>
+      <p:sp>
+        <p:nvSpPr>
+          <p:cNvPr id="97" name="Google Shape;97;p16"/>
+          <p:cNvSpPr/>
+          <p:nvPr/>
+        </p:nvSpPr>
+        <p:spPr>
+          <a:xfrm>
+            <a:off x="371775" y="1988900"/>
+            <a:ext cx="2629500" cy="2244900"/>
+          </a:xfrm>
+          <a:prstGeom prst="wedgeRectCallout">
+            <a:avLst>
+              <a:gd fmla="val -20833" name="adj1"/>
+              <a:gd fmla="val 62500" name="adj2"/>
+            </a:avLst>
+          </a:prstGeom>
+          <a:solidFill>
+            <a:schemeClr val="accent2"/>
+          </a:solidFill>
+          <a:ln>
+            <a:noFill/>
+          </a:ln>
+        </p:spPr>
+        <p:txBody>
+          <a:bodyPr anchorCtr="0" anchor="ctr" bIns="91425" lIns="91425" spcFirstLastPara="1" rIns="91425" wrap="square" tIns="91425">
+            <a:noAutofit/>
+          </a:bodyPr>
+          <a:lstStyle/>
+          <a:p>
+            <a:pPr indent="0" lvl="0" marL="0" rtl="0" algn="l">
+              <a:spcBef>
+                <a:spcPts val="0"/>
+              </a:spcBef>
+              <a:spcAft>
+                <a:spcPts val="0"/>
+              </a:spcAft>
+              <a:buNone/>
+            </a:pPr>
+            <a:r>
+              <a:t/>
+            </a:r>
+            <a:endParaRPr/>
+          </a:p>
+        </p:txBody>
+      </p:sp>
+      <p:sp>
+        <p:nvSpPr>
+          <p:cNvPr id="98" name="Google Shape;98;p16"/>
           <p:cNvSpPr/>
           <p:nvPr/>
         </p:nvSpPr>
@@ -9820,7 +9836,7 @@
       </p:sp>
       <p:sp>
         <p:nvSpPr>
-          <p:cNvPr id="96" name="Google Shape;96;p16"/>
+          <p:cNvPr id="99" name="Google Shape;99;p16"/>
           <p:cNvSpPr/>
           <p:nvPr/>
         </p:nvSpPr>
@@ -9866,7 +9882,7 @@
       </p:sp>
       <p:sp>
         <p:nvSpPr>
-          <p:cNvPr id="97" name="Google Shape;97;p16"/>
+          <p:cNvPr id="100" name="Google Shape;100;p16"/>
           <p:cNvSpPr txBox="1"/>
           <p:nvPr>
             <p:ph type="title"/>
@@ -9898,7 +9914,7 @@
             </a:pPr>
             <a:r>
               <a:rPr lang="en" sz="2100"/>
-              <a:t>3. Cleaning the stock data for backend and get it ready to use for front-end.</a:t>
+              <a:t>3. Cleaning the stock data in backend and get it ready to use for front-end.</a:t>
             </a:r>
             <a:endParaRPr b="0" sz="1400">
               <a:solidFill>
@@ -9910,7 +9926,7 @@
       </p:sp>
       <p:sp>
         <p:nvSpPr>
-          <p:cNvPr id="98" name="Google Shape;98;p16"/>
+          <p:cNvPr id="101" name="Google Shape;101;p16"/>
           <p:cNvSpPr txBox="1"/>
           <p:nvPr>
             <p:ph type="title"/>
@@ -9958,7 +9974,7 @@
       </p:sp>
       <p:sp>
         <p:nvSpPr>
-          <p:cNvPr id="99" name="Google Shape;99;p16"/>
+          <p:cNvPr id="102" name="Google Shape;102;p16"/>
           <p:cNvSpPr txBox="1"/>
           <p:nvPr>
             <p:ph type="title"/>
@@ -9990,15 +10006,7 @@
             </a:pPr>
             <a:r>
               <a:rPr lang="en" sz="2100"/>
-              <a:t>2. </a:t>
-            </a:r>
-            <a:r>
-              <a:rPr lang="en" sz="2100"/>
-              <a:t>Implement</a:t>
-            </a:r>
-            <a:r>
-              <a:rPr lang="en" sz="2100"/>
-              <a:t> part of the algo for the main page as well as the user login logout logic. </a:t>
+              <a:t>2. Finish the login and registration part in back-end</a:t>
             </a:r>
             <a:endParaRPr b="0" sz="1400">
               <a:solidFill>
@@ -10021,7 +10029,7 @@
   <p:cSld>
     <p:spTree>
       <p:nvGrpSpPr>
-        <p:cNvPr id="103" name="Shape 103"/>
+        <p:cNvPr id="106" name="Shape 106"/>
         <p:cNvGrpSpPr/>
         <p:nvPr/>
       </p:nvGrpSpPr>
@@ -10035,7 +10043,7 @@
       </p:grpSpPr>
       <p:sp>
         <p:nvSpPr>
-          <p:cNvPr id="104" name="Google Shape;104;p17"/>
+          <p:cNvPr id="107" name="Google Shape;107;p17"/>
           <p:cNvSpPr txBox="1"/>
           <p:nvPr>
             <p:ph type="title"/>
@@ -10067,7 +10075,11 @@
             </a:pPr>
             <a:r>
               <a:rPr lang="en"/>
-              <a:t>Stock Market: Data API </a:t>
+              <a:t>Back-end d</a:t>
+            </a:r>
+            <a:r>
+              <a:rPr lang="en"/>
+              <a:t>ata API </a:t>
             </a:r>
             <a:endParaRPr/>
           </a:p>
@@ -10075,7 +10087,7 @@
       </p:sp>
       <p:sp>
         <p:nvSpPr>
-          <p:cNvPr id="105" name="Google Shape;105;p17"/>
+          <p:cNvPr id="108" name="Google Shape;108;p17"/>
           <p:cNvSpPr/>
           <p:nvPr/>
         </p:nvSpPr>
@@ -10121,7 +10133,7 @@
       </p:sp>
       <p:sp>
         <p:nvSpPr>
-          <p:cNvPr id="106" name="Google Shape;106;p17"/>
+          <p:cNvPr id="109" name="Google Shape;109;p17"/>
           <p:cNvSpPr/>
           <p:nvPr/>
         </p:nvSpPr>
@@ -10167,7 +10179,7 @@
       </p:sp>
       <p:sp>
         <p:nvSpPr>
-          <p:cNvPr id="107" name="Google Shape;107;p17"/>
+          <p:cNvPr id="110" name="Google Shape;110;p17"/>
           <p:cNvSpPr/>
           <p:nvPr/>
         </p:nvSpPr>
@@ -10213,7 +10225,7 @@
       </p:sp>
       <p:sp>
         <p:nvSpPr>
-          <p:cNvPr id="108" name="Google Shape;108;p17"/>
+          <p:cNvPr id="111" name="Google Shape;111;p17"/>
           <p:cNvSpPr txBox="1"/>
           <p:nvPr>
             <p:ph type="title"/>
@@ -10281,7 +10293,7 @@
       </p:sp>
       <p:sp>
         <p:nvSpPr>
-          <p:cNvPr id="109" name="Google Shape;109;p17"/>
+          <p:cNvPr id="112" name="Google Shape;112;p17"/>
           <p:cNvSpPr txBox="1"/>
           <p:nvPr>
             <p:ph type="title"/>
@@ -10345,7 +10357,7 @@
       </p:sp>
       <p:sp>
         <p:nvSpPr>
-          <p:cNvPr id="110" name="Google Shape;110;p17"/>
+          <p:cNvPr id="113" name="Google Shape;113;p17"/>
           <p:cNvSpPr txBox="1"/>
           <p:nvPr>
             <p:ph type="title"/>
@@ -10418,16 +10430,9 @@
 <file path=ppt/slides/slide6.xml><?xml version="1.0" encoding="utf-8"?>
 <p:sld xmlns:a="http://schemas.openxmlformats.org/drawingml/2006/main" xmlns:r="http://schemas.openxmlformats.org/officeDocument/2006/relationships" xmlns:mc="http://schemas.openxmlformats.org/markup-compatibility/2006" xmlns:mv="urn:schemas-microsoft-com:mac:vml" xmlns:p="http://schemas.openxmlformats.org/presentationml/2006/main" xmlns:c="http://schemas.openxmlformats.org/drawingml/2006/chart" xmlns:dgm="http://schemas.openxmlformats.org/drawingml/2006/diagram" xmlns:o="urn:schemas-microsoft-com:office:office" xmlns:v="urn:schemas-microsoft-com:vml" xmlns:pvml="urn:schemas-microsoft-com:office:powerpoint" xmlns:com="http://schemas.openxmlformats.org/drawingml/2006/compatibility" xmlns:p14="http://schemas.microsoft.com/office/powerpoint/2010/main" xmlns:p15="http://schemas.microsoft.com/office/powerpoint/2012/main" xmlns:ahyp="http://schemas.microsoft.com/office/drawing/2018/hyperlinkcolor">
   <p:cSld>
-    <p:bg>
-      <p:bgPr>
-        <a:solidFill>
-          <a:schemeClr val="dk1"/>
-        </a:solidFill>
-      </p:bgPr>
-    </p:bg>
     <p:spTree>
       <p:nvGrpSpPr>
-        <p:cNvPr id="114" name="Shape 114"/>
+        <p:cNvPr id="117" name="Shape 117"/>
         <p:cNvGrpSpPr/>
         <p:nvPr/>
       </p:nvGrpSpPr>
@@ -10439,131 +10444,18 @@
           <a:chExt cx="0" cy="0"/>
         </a:xfrm>
       </p:grpSpPr>
-      <p:pic>
-        <p:nvPicPr>
-          <p:cNvPr id="115" name="Google Shape;115;p18"/>
-          <p:cNvPicPr preferRelativeResize="0"/>
-          <p:nvPr/>
-        </p:nvPicPr>
-        <p:blipFill>
-          <a:blip r:embed="rId3">
-            <a:alphaModFix/>
-          </a:blip>
-          <a:stretch>
-            <a:fillRect/>
-          </a:stretch>
-        </p:blipFill>
-        <p:spPr>
-          <a:xfrm>
-            <a:off x="2444700" y="162737"/>
-            <a:ext cx="4254600" cy="4818038"/>
-          </a:xfrm>
-          <a:prstGeom prst="rect">
-            <a:avLst/>
-          </a:prstGeom>
-          <a:noFill/>
-          <a:ln>
-            <a:noFill/>
-          </a:ln>
-        </p:spPr>
-      </p:pic>
-      <p:pic>
-        <p:nvPicPr>
-          <p:cNvPr descr="Piece of duct tape sticking a note to the slide" id="116" name="Google Shape;116;p18"/>
-          <p:cNvPicPr preferRelativeResize="0"/>
-          <p:nvPr/>
-        </p:nvPicPr>
-        <p:blipFill rotWithShape="1">
-          <a:blip r:embed="rId4">
-            <a:alphaModFix/>
-          </a:blip>
-          <a:srcRect b="10011" l="9244" r="2118" t="5926"/>
-          <a:stretch/>
-        </p:blipFill>
-        <p:spPr>
-          <a:xfrm rot="154828">
-            <a:off x="3536000" y="147301"/>
-            <a:ext cx="2072000" cy="736050"/>
-          </a:xfrm>
-          <a:prstGeom prst="rect">
-            <a:avLst/>
-          </a:prstGeom>
-          <a:noFill/>
-          <a:ln>
-            <a:noFill/>
-          </a:ln>
-        </p:spPr>
-      </p:pic>
-      <p:sp>
-        <p:nvSpPr>
-          <p:cNvPr id="117" name="Google Shape;117;p18"/>
-          <p:cNvSpPr txBox="1"/>
-          <p:nvPr/>
-        </p:nvSpPr>
-        <p:spPr>
-          <a:xfrm>
-            <a:off x="2855550" y="687397"/>
-            <a:ext cx="3432900" cy="762600"/>
-          </a:xfrm>
-          <a:prstGeom prst="rect">
-            <a:avLst/>
-          </a:prstGeom>
-          <a:noFill/>
-          <a:ln>
-            <a:noFill/>
-          </a:ln>
-        </p:spPr>
-        <p:txBody>
-          <a:bodyPr anchorCtr="0" anchor="b" bIns="91425" lIns="91425" spcFirstLastPara="1" rIns="91425" wrap="square" tIns="91425">
-            <a:noAutofit/>
-          </a:bodyPr>
-          <a:lstStyle/>
-          <a:p>
-            <a:pPr indent="0" lvl="0" marL="0" rtl="0" algn="l">
-              <a:spcBef>
-                <a:spcPts val="0"/>
-              </a:spcBef>
-              <a:spcAft>
-                <a:spcPts val="0"/>
-              </a:spcAft>
-              <a:buNone/>
-            </a:pPr>
-            <a:r>
-              <a:rPr b="1" lang="en" sz="3000">
-                <a:solidFill>
-                  <a:schemeClr val="lt2"/>
-                </a:solidFill>
-                <a:latin typeface="Raleway"/>
-                <a:ea typeface="Raleway"/>
-                <a:cs typeface="Raleway"/>
-                <a:sym typeface="Raleway"/>
-              </a:rPr>
-              <a:t>2. Sprint 1</a:t>
-            </a:r>
-            <a:endParaRPr b="1" sz="3000">
-              <a:solidFill>
-                <a:schemeClr val="lt2"/>
-              </a:solidFill>
-              <a:latin typeface="Raleway"/>
-              <a:ea typeface="Raleway"/>
-              <a:cs typeface="Raleway"/>
-              <a:sym typeface="Raleway"/>
-            </a:endParaRPr>
-          </a:p>
-        </p:txBody>
-      </p:sp>
       <p:sp>
         <p:nvSpPr>
           <p:cNvPr id="118" name="Google Shape;118;p18"/>
           <p:cNvSpPr txBox="1"/>
           <p:nvPr>
-            <p:ph idx="4294967295" type="body"/>
+            <p:ph type="title"/>
           </p:nvPr>
         </p:nvSpPr>
         <p:spPr>
           <a:xfrm>
-            <a:off x="2855550" y="1377480"/>
-            <a:ext cx="3432900" cy="3327900"/>
+            <a:off x="261750" y="701650"/>
+            <a:ext cx="8620500" cy="1019700"/>
           </a:xfrm>
           <a:prstGeom prst="rect">
             <a:avLst/>
@@ -10582,171 +10474,358 @@
               <a:spcAft>
                 <a:spcPts val="0"/>
               </a:spcAft>
-              <a:buClr>
-                <a:schemeClr val="dk2"/>
-              </a:buClr>
-              <a:buSzPts val="1100"/>
-              <a:buFont typeface="Arial"/>
               <a:buNone/>
             </a:pPr>
             <a:r>
-              <a:rPr lang="en" sz="1200">
-                <a:latin typeface="Raleway"/>
-                <a:ea typeface="Raleway"/>
-                <a:cs typeface="Raleway"/>
-                <a:sym typeface="Raleway"/>
-              </a:rPr>
-              <a:t>Things to be done in Sprint 1</a:t>
+              <a:rPr lang="en"/>
+              <a:t>Front end</a:t>
             </a:r>
             <a:r>
-              <a:rPr lang="en" sz="1200">
-                <a:latin typeface="Raleway"/>
-                <a:ea typeface="Raleway"/>
-                <a:cs typeface="Raleway"/>
-                <a:sym typeface="Raleway"/>
-              </a:rPr>
-              <a:t>: </a:t>
+              <a:rPr lang="en"/>
+              <a:t> </a:t>
             </a:r>
-            <a:endParaRPr sz="1200">
-              <a:latin typeface="Raleway"/>
-              <a:ea typeface="Raleway"/>
-              <a:cs typeface="Raleway"/>
-              <a:sym typeface="Raleway"/>
+            <a:endParaRPr/>
+          </a:p>
+        </p:txBody>
+      </p:sp>
+      <p:sp>
+        <p:nvSpPr>
+          <p:cNvPr id="119" name="Google Shape;119;p18"/>
+          <p:cNvSpPr/>
+          <p:nvPr/>
+        </p:nvSpPr>
+        <p:spPr>
+          <a:xfrm>
+            <a:off x="371775" y="1988900"/>
+            <a:ext cx="2629500" cy="2244900"/>
+          </a:xfrm>
+          <a:prstGeom prst="wedgeRectCallout">
+            <a:avLst>
+              <a:gd fmla="val -20833" name="adj1"/>
+              <a:gd fmla="val 62500" name="adj2"/>
+            </a:avLst>
+          </a:prstGeom>
+          <a:solidFill>
+            <a:srgbClr val="E06666"/>
+          </a:solidFill>
+          <a:ln>
+            <a:noFill/>
+          </a:ln>
+        </p:spPr>
+        <p:txBody>
+          <a:bodyPr anchorCtr="0" anchor="ctr" bIns="91425" lIns="91425" spcFirstLastPara="1" rIns="91425" wrap="square" tIns="91425">
+            <a:noAutofit/>
+          </a:bodyPr>
+          <a:lstStyle/>
+          <a:p>
+            <a:pPr indent="0" lvl="0" marL="0" rtl="0" algn="l">
+              <a:spcBef>
+                <a:spcPts val="0"/>
+              </a:spcBef>
+              <a:spcAft>
+                <a:spcPts val="0"/>
+              </a:spcAft>
+              <a:buNone/>
+            </a:pPr>
+            <a:r>
+              <a:t/>
+            </a:r>
+            <a:endParaRPr/>
+          </a:p>
+        </p:txBody>
+      </p:sp>
+      <p:sp>
+        <p:nvSpPr>
+          <p:cNvPr id="120" name="Google Shape;120;p18"/>
+          <p:cNvSpPr/>
+          <p:nvPr/>
+        </p:nvSpPr>
+        <p:spPr>
+          <a:xfrm>
+            <a:off x="3210432" y="1988900"/>
+            <a:ext cx="2629500" cy="2244900"/>
+          </a:xfrm>
+          <a:prstGeom prst="wedgeRectCallout">
+            <a:avLst>
+              <a:gd fmla="val -20833" name="adj1"/>
+              <a:gd fmla="val 62500" name="adj2"/>
+            </a:avLst>
+          </a:prstGeom>
+          <a:solidFill>
+            <a:srgbClr val="6AA84F"/>
+          </a:solidFill>
+          <a:ln>
+            <a:noFill/>
+          </a:ln>
+        </p:spPr>
+        <p:txBody>
+          <a:bodyPr anchorCtr="0" anchor="ctr" bIns="91425" lIns="91425" spcFirstLastPara="1" rIns="91425" wrap="square" tIns="91425">
+            <a:noAutofit/>
+          </a:bodyPr>
+          <a:lstStyle/>
+          <a:p>
+            <a:pPr indent="0" lvl="0" marL="0" rtl="0" algn="l">
+              <a:spcBef>
+                <a:spcPts val="0"/>
+              </a:spcBef>
+              <a:spcAft>
+                <a:spcPts val="0"/>
+              </a:spcAft>
+              <a:buNone/>
+            </a:pPr>
+            <a:r>
+              <a:t/>
+            </a:r>
+            <a:endParaRPr/>
+          </a:p>
+        </p:txBody>
+      </p:sp>
+      <p:sp>
+        <p:nvSpPr>
+          <p:cNvPr id="121" name="Google Shape;121;p18"/>
+          <p:cNvSpPr/>
+          <p:nvPr/>
+        </p:nvSpPr>
+        <p:spPr>
+          <a:xfrm>
+            <a:off x="6049089" y="1988900"/>
+            <a:ext cx="2629500" cy="2244900"/>
+          </a:xfrm>
+          <a:prstGeom prst="wedgeRectCallout">
+            <a:avLst>
+              <a:gd fmla="val -20833" name="adj1"/>
+              <a:gd fmla="val 62500" name="adj2"/>
+            </a:avLst>
+          </a:prstGeom>
+          <a:solidFill>
+            <a:srgbClr val="3C78D8"/>
+          </a:solidFill>
+          <a:ln>
+            <a:noFill/>
+          </a:ln>
+        </p:spPr>
+        <p:txBody>
+          <a:bodyPr anchorCtr="0" anchor="ctr" bIns="91425" lIns="91425" spcFirstLastPara="1" rIns="91425" wrap="square" tIns="91425">
+            <a:noAutofit/>
+          </a:bodyPr>
+          <a:lstStyle/>
+          <a:p>
+            <a:pPr indent="0" lvl="0" marL="0" rtl="0" algn="l">
+              <a:spcBef>
+                <a:spcPts val="0"/>
+              </a:spcBef>
+              <a:spcAft>
+                <a:spcPts val="0"/>
+              </a:spcAft>
+              <a:buNone/>
+            </a:pPr>
+            <a:r>
+              <a:t/>
+            </a:r>
+            <a:endParaRPr/>
+          </a:p>
+        </p:txBody>
+      </p:sp>
+      <p:sp>
+        <p:nvSpPr>
+          <p:cNvPr id="122" name="Google Shape;122;p18"/>
+          <p:cNvSpPr txBox="1"/>
+          <p:nvPr>
+            <p:ph type="title"/>
+          </p:nvPr>
+        </p:nvSpPr>
+        <p:spPr>
+          <a:xfrm>
+            <a:off x="6125275" y="2061900"/>
+            <a:ext cx="2481600" cy="2005800"/>
+          </a:xfrm>
+          <a:prstGeom prst="rect">
+            <a:avLst/>
+          </a:prstGeom>
+        </p:spPr>
+        <p:txBody>
+          <a:bodyPr anchorCtr="0" anchor="t" bIns="91425" lIns="91425" spcFirstLastPara="1" rIns="91425" wrap="square" tIns="91425">
+            <a:noAutofit/>
+          </a:bodyPr>
+          <a:lstStyle/>
+          <a:p>
+            <a:pPr indent="0" lvl="0" marL="0" rtl="0" algn="l">
+              <a:spcBef>
+                <a:spcPts val="0"/>
+              </a:spcBef>
+              <a:spcAft>
+                <a:spcPts val="0"/>
+              </a:spcAft>
+              <a:buNone/>
+            </a:pPr>
+            <a:r>
+              <a:rPr lang="en" sz="2100"/>
+              <a:t> Top bar and Search</a:t>
+            </a:r>
+            <a:endParaRPr sz="2100">
+              <a:solidFill>
+                <a:schemeClr val="lt1"/>
+              </a:solidFill>
             </a:endParaRPr>
           </a:p>
           <a:p>
-            <a:pPr indent="-317500" lvl="0" marL="457200" rtl="0" algn="l">
-              <a:spcBef>
-                <a:spcPts val="1600"/>
-              </a:spcBef>
-              <a:spcAft>
-                <a:spcPts val="0"/>
-              </a:spcAft>
-              <a:buClr>
-                <a:srgbClr val="CC0000"/>
-              </a:buClr>
-              <a:buSzPts val="1400"/>
-              <a:buFont typeface="Raleway"/>
-              <a:buChar char="➔"/>
+            <a:pPr indent="0" lvl="0" marL="0" rtl="0" algn="l">
+              <a:spcBef>
+                <a:spcPts val="1200"/>
+              </a:spcBef>
+              <a:spcAft>
+                <a:spcPts val="1200"/>
+              </a:spcAft>
+              <a:buNone/>
             </a:pPr>
             <a:r>
-              <a:rPr b="1" lang="en" sz="1400">
-                <a:solidFill>
-                  <a:srgbClr val="CC0000"/>
-                </a:solidFill>
-                <a:latin typeface="Raleway"/>
-                <a:ea typeface="Raleway"/>
-                <a:cs typeface="Raleway"/>
-                <a:sym typeface="Raleway"/>
-              </a:rPr>
-              <a:t>What</a:t>
+              <a:rPr b="0" lang="en" sz="1400"/>
+              <a:t>Top bar should show user account balance and search bar with the autocomplete functionality.</a:t>
+            </a:r>
+            <a:endParaRPr b="0" sz="1400"/>
+          </a:p>
+        </p:txBody>
+      </p:sp>
+      <p:sp>
+        <p:nvSpPr>
+          <p:cNvPr id="123" name="Google Shape;123;p18"/>
+          <p:cNvSpPr txBox="1"/>
+          <p:nvPr>
+            <p:ph type="title"/>
+          </p:nvPr>
+        </p:nvSpPr>
+        <p:spPr>
+          <a:xfrm>
+            <a:off x="447975" y="2061900"/>
+            <a:ext cx="2481600" cy="2005800"/>
+          </a:xfrm>
+          <a:prstGeom prst="rect">
+            <a:avLst/>
+          </a:prstGeom>
+        </p:spPr>
+        <p:txBody>
+          <a:bodyPr anchorCtr="0" anchor="t" bIns="91425" lIns="91425" spcFirstLastPara="1" rIns="91425" wrap="square" tIns="91425">
+            <a:noAutofit/>
+          </a:bodyPr>
+          <a:lstStyle/>
+          <a:p>
+            <a:pPr indent="0" lvl="0" marL="0" rtl="0" algn="l">
+              <a:spcBef>
+                <a:spcPts val="0"/>
+              </a:spcBef>
+              <a:spcAft>
+                <a:spcPts val="0"/>
+              </a:spcAft>
+              <a:buNone/>
+            </a:pPr>
+            <a:r>
+              <a:rPr lang="en" sz="2100"/>
+              <a:t>Landing page and </a:t>
             </a:r>
             <a:r>
-              <a:rPr b="1" lang="en" sz="1400">
-                <a:solidFill>
-                  <a:schemeClr val="dk1"/>
-                </a:solidFill>
-                <a:latin typeface="Raleway"/>
-                <a:ea typeface="Raleway"/>
-                <a:cs typeface="Raleway"/>
-                <a:sym typeface="Raleway"/>
-              </a:rPr>
-              <a:t>: </a:t>
+              <a:rPr lang="en" sz="2100"/>
+              <a:t>forms</a:t>
             </a:r>
-            <a:r>
-              <a:rPr b="1" lang="en" sz="1400">
-                <a:solidFill>
-                  <a:srgbClr val="CC0000"/>
-                </a:solidFill>
-                <a:latin typeface="Raleway"/>
-                <a:ea typeface="Raleway"/>
-                <a:cs typeface="Raleway"/>
-                <a:sym typeface="Raleway"/>
-              </a:rPr>
-              <a:t>The frontend design, plus the api request setup.</a:t>
-            </a:r>
-            <a:endParaRPr sz="1200">
+            <a:endParaRPr sz="2100">
               <a:solidFill>
-                <a:srgbClr val="CC0000"/>
+                <a:schemeClr val="lt1"/>
               </a:solidFill>
-              <a:latin typeface="Raleway"/>
-              <a:ea typeface="Raleway"/>
-              <a:cs typeface="Raleway"/>
-              <a:sym typeface="Raleway"/>
             </a:endParaRPr>
           </a:p>
           <a:p>
-            <a:pPr indent="-317500" lvl="0" marL="457200" rtl="0" algn="l">
-              <a:spcBef>
-                <a:spcPts val="1000"/>
-              </a:spcBef>
-              <a:spcAft>
-                <a:spcPts val="0"/>
-              </a:spcAft>
-              <a:buClr>
-                <a:srgbClr val="6AA84F"/>
-              </a:buClr>
-              <a:buSzPts val="1400"/>
-              <a:buFont typeface="Raleway"/>
-              <a:buChar char="➔"/>
+            <a:pPr indent="0" lvl="0" marL="0" rtl="0" algn="l">
+              <a:spcBef>
+                <a:spcPts val="1200"/>
+              </a:spcBef>
+              <a:spcAft>
+                <a:spcPts val="0"/>
+              </a:spcAft>
+              <a:buNone/>
             </a:pPr>
             <a:r>
-              <a:rPr b="1" lang="en" sz="1400">
-                <a:solidFill>
-                  <a:srgbClr val="6AA84F"/>
-                </a:solidFill>
-                <a:latin typeface="Raleway"/>
-                <a:ea typeface="Raleway"/>
-                <a:cs typeface="Raleway"/>
-                <a:sym typeface="Raleway"/>
-              </a:rPr>
-              <a:t>When: Sprint 1 part</a:t>
+              <a:rPr b="0" lang="en" sz="1400"/>
+              <a:t>Clean UI Which only Login, registration button on the top of the landing page.</a:t>
             </a:r>
-            <a:endParaRPr b="1" sz="1400">
+            <a:endParaRPr b="0" sz="1400"/>
+          </a:p>
+          <a:p>
+            <a:pPr indent="0" lvl="0" marL="0" rtl="0" algn="l">
+              <a:spcBef>
+                <a:spcPts val="1200"/>
+              </a:spcBef>
+              <a:spcAft>
+                <a:spcPts val="1200"/>
+              </a:spcAft>
+              <a:buNone/>
+            </a:pPr>
+            <a:r>
+              <a:rPr b="0" lang="en" sz="1400"/>
+              <a:t>Finish log in/out logic.</a:t>
+            </a:r>
+            <a:endParaRPr b="0" sz="1400"/>
+          </a:p>
+        </p:txBody>
+      </p:sp>
+      <p:sp>
+        <p:nvSpPr>
+          <p:cNvPr id="124" name="Google Shape;124;p18"/>
+          <p:cNvSpPr txBox="1"/>
+          <p:nvPr>
+            <p:ph type="title"/>
+          </p:nvPr>
+        </p:nvSpPr>
+        <p:spPr>
+          <a:xfrm>
+            <a:off x="3286625" y="2061900"/>
+            <a:ext cx="2481600" cy="2005800"/>
+          </a:xfrm>
+          <a:prstGeom prst="rect">
+            <a:avLst/>
+          </a:prstGeom>
+        </p:spPr>
+        <p:txBody>
+          <a:bodyPr anchorCtr="0" anchor="t" bIns="91425" lIns="91425" spcFirstLastPara="1" rIns="91425" wrap="square" tIns="91425">
+            <a:noAutofit/>
+          </a:bodyPr>
+          <a:lstStyle/>
+          <a:p>
+            <a:pPr indent="0" lvl="0" marL="0" rtl="0" algn="l">
+              <a:spcBef>
+                <a:spcPts val="0"/>
+              </a:spcBef>
+              <a:spcAft>
+                <a:spcPts val="0"/>
+              </a:spcAft>
+              <a:buNone/>
+            </a:pPr>
+            <a:r>
+              <a:rPr lang="en" sz="2100"/>
+              <a:t>Sidebar </a:t>
+            </a:r>
+            <a:endParaRPr sz="2100">
               <a:solidFill>
-                <a:srgbClr val="6AA84F"/>
+                <a:schemeClr val="lt1"/>
               </a:solidFill>
-              <a:latin typeface="Raleway"/>
-              <a:ea typeface="Raleway"/>
-              <a:cs typeface="Raleway"/>
-              <a:sym typeface="Raleway"/>
             </a:endParaRPr>
           </a:p>
           <a:p>
-            <a:pPr indent="-317500" lvl="0" marL="457200" rtl="0" algn="l">
-              <a:spcBef>
-                <a:spcPts val="1000"/>
-              </a:spcBef>
-              <a:spcAft>
-                <a:spcPts val="1000"/>
-              </a:spcAft>
-              <a:buClr>
-                <a:srgbClr val="3C78D8"/>
-              </a:buClr>
-              <a:buSzPts val="1400"/>
-              <a:buFont typeface="Raleway"/>
-              <a:buChar char="➔"/>
+            <a:pPr indent="0" lvl="0" marL="0" rtl="0" algn="l">
+              <a:spcBef>
+                <a:spcPts val="1200"/>
+              </a:spcBef>
+              <a:spcAft>
+                <a:spcPts val="1200"/>
+              </a:spcAft>
+              <a:buNone/>
             </a:pPr>
             <a:r>
-              <a:rPr b="1" lang="en" sz="1400">
-                <a:solidFill>
-                  <a:srgbClr val="3C78D8"/>
-                </a:solidFill>
-                <a:latin typeface="Raleway"/>
-                <a:ea typeface="Raleway"/>
-                <a:cs typeface="Raleway"/>
-                <a:sym typeface="Raleway"/>
-              </a:rPr>
-              <a:t>How Much: Front end design plus routing setup</a:t>
+              <a:rPr b="0" lang="en" sz="1400"/>
+              <a:t>Sidebar should have four button with on market status which is integrated with external api.</a:t>
             </a:r>
-            <a:endParaRPr sz="1400">
+            <a:endParaRPr b="0" sz="1400">
               <a:solidFill>
-                <a:srgbClr val="3C78D8"/>
+                <a:schemeClr val="lt1"/>
               </a:solidFill>
-              <a:latin typeface="Raleway"/>
-              <a:ea typeface="Raleway"/>
-              <a:cs typeface="Raleway"/>
-              <a:sym typeface="Raleway"/>
             </a:endParaRPr>
           </a:p>
         </p:txBody>
@@ -10764,7 +10843,7 @@
   <p:cSld>
     <p:spTree>
       <p:nvGrpSpPr>
-        <p:cNvPr id="122" name="Shape 122"/>
+        <p:cNvPr id="128" name="Shape 128"/>
         <p:cNvGrpSpPr/>
         <p:nvPr/>
       </p:nvGrpSpPr>
@@ -10778,7 +10857,7 @@
       </p:grpSpPr>
       <p:sp>
         <p:nvSpPr>
-          <p:cNvPr id="123" name="Google Shape;123;p19"/>
+          <p:cNvPr id="129" name="Google Shape;129;p19"/>
           <p:cNvSpPr txBox="1"/>
           <p:nvPr>
             <p:ph type="title"/>
@@ -10786,8 +10865,8 @@
         </p:nvSpPr>
         <p:spPr>
           <a:xfrm>
-            <a:off x="283100" y="712150"/>
-            <a:ext cx="8620500" cy="1019700"/>
+            <a:off x="260849" y="322925"/>
+            <a:ext cx="8622300" cy="3835500"/>
           </a:xfrm>
           <a:prstGeom prst="rect">
             <a:avLst/>
@@ -10810,369 +10889,415 @@
             </a:pPr>
             <a:r>
               <a:rPr lang="en"/>
-              <a:t>Members Responsibility:</a:t>
+              <a:t>Product Backlog:</a:t>
             </a:r>
-            <a:r>
-              <a:rPr lang="en"/>
-              <a:t> </a:t>
-            </a:r>
-            <a:endParaRPr/>
+            <a:endParaRPr b="0" sz="1300">
+              <a:solidFill>
+                <a:schemeClr val="dk2"/>
+              </a:solidFill>
+              <a:latin typeface="Georgia"/>
+              <a:ea typeface="Georgia"/>
+              <a:cs typeface="Georgia"/>
+              <a:sym typeface="Georgia"/>
+            </a:endParaRPr>
           </a:p>
-        </p:txBody>
-      </p:sp>
-      <p:sp>
-        <p:nvSpPr>
-          <p:cNvPr id="124" name="Google Shape;124;p19"/>
-          <p:cNvSpPr/>
-          <p:nvPr/>
-        </p:nvSpPr>
-        <p:spPr>
-          <a:xfrm>
-            <a:off x="371775" y="1988900"/>
-            <a:ext cx="2629500" cy="2244900"/>
-          </a:xfrm>
-          <a:prstGeom prst="wedgeRectCallout">
-            <a:avLst>
-              <a:gd fmla="val -20833" name="adj1"/>
-              <a:gd fmla="val 62500" name="adj2"/>
-            </a:avLst>
-          </a:prstGeom>
-          <a:solidFill>
-            <a:schemeClr val="accent2"/>
-          </a:solidFill>
-          <a:ln>
-            <a:noFill/>
-          </a:ln>
-        </p:spPr>
-        <p:txBody>
-          <a:bodyPr anchorCtr="0" anchor="ctr" bIns="91425" lIns="91425" spcFirstLastPara="1" rIns="91425" wrap="square" tIns="91425">
-            <a:noAutofit/>
-          </a:bodyPr>
-          <a:lstStyle/>
           <a:p>
-            <a:pPr indent="0" lvl="0" marL="0" rtl="0" algn="l">
-              <a:spcBef>
-                <a:spcPts val="0"/>
-              </a:spcBef>
-              <a:spcAft>
-                <a:spcPts val="0"/>
-              </a:spcAft>
-              <a:buNone/>
+            <a:pPr indent="-355600" lvl="0" marL="457200" rtl="0" algn="l">
+              <a:lnSpc>
+                <a:spcPct val="115000"/>
+              </a:lnSpc>
+              <a:spcBef>
+                <a:spcPts val="1000"/>
+              </a:spcBef>
+              <a:spcAft>
+                <a:spcPts val="0"/>
+              </a:spcAft>
+              <a:buClr>
+                <a:srgbClr val="E06666"/>
+              </a:buClr>
+              <a:buSzPts val="2000"/>
+              <a:buChar char="-"/>
             </a:pPr>
             <a:r>
-              <a:t/>
+              <a:rPr b="0" lang="en" sz="2000">
+                <a:solidFill>
+                  <a:srgbClr val="E06666"/>
+                </a:solidFill>
+              </a:rPr>
+              <a:t>Setup the landing page- high, Size - 2 </a:t>
             </a:r>
-            <a:endParaRPr/>
-          </a:p>
-        </p:txBody>
-      </p:sp>
-      <p:sp>
-        <p:nvSpPr>
-          <p:cNvPr id="125" name="Google Shape;125;p19"/>
-          <p:cNvSpPr/>
-          <p:nvPr/>
-        </p:nvSpPr>
-        <p:spPr>
-          <a:xfrm>
-            <a:off x="3210432" y="1988900"/>
-            <a:ext cx="2629500" cy="2244900"/>
-          </a:xfrm>
-          <a:prstGeom prst="wedgeRectCallout">
-            <a:avLst>
-              <a:gd fmla="val -20833" name="adj1"/>
-              <a:gd fmla="val 62500" name="adj2"/>
-            </a:avLst>
-          </a:prstGeom>
-          <a:solidFill>
-            <a:srgbClr val="B45F06"/>
-          </a:solidFill>
-          <a:ln>
-            <a:noFill/>
-          </a:ln>
-        </p:spPr>
-        <p:txBody>
-          <a:bodyPr anchorCtr="0" anchor="ctr" bIns="91425" lIns="91425" spcFirstLastPara="1" rIns="91425" wrap="square" tIns="91425">
-            <a:noAutofit/>
-          </a:bodyPr>
-          <a:lstStyle/>
-          <a:p>
-            <a:pPr indent="0" lvl="0" marL="0" rtl="0" algn="l">
-              <a:spcBef>
-                <a:spcPts val="0"/>
-              </a:spcBef>
-              <a:spcAft>
-                <a:spcPts val="0"/>
-              </a:spcAft>
-              <a:buNone/>
-            </a:pPr>
-            <a:r>
-              <a:t/>
-            </a:r>
-            <a:endParaRPr/>
-          </a:p>
-        </p:txBody>
-      </p:sp>
-      <p:sp>
-        <p:nvSpPr>
-          <p:cNvPr id="126" name="Google Shape;126;p19"/>
-          <p:cNvSpPr/>
-          <p:nvPr/>
-        </p:nvSpPr>
-        <p:spPr>
-          <a:xfrm>
-            <a:off x="6049089" y="1988900"/>
-            <a:ext cx="2629500" cy="2244900"/>
-          </a:xfrm>
-          <a:prstGeom prst="wedgeRectCallout">
-            <a:avLst>
-              <a:gd fmla="val -20833" name="adj1"/>
-              <a:gd fmla="val 62500" name="adj2"/>
-            </a:avLst>
-          </a:prstGeom>
-          <a:solidFill>
-            <a:srgbClr val="274E13"/>
-          </a:solidFill>
-          <a:ln>
-            <a:noFill/>
-          </a:ln>
-        </p:spPr>
-        <p:txBody>
-          <a:bodyPr anchorCtr="0" anchor="ctr" bIns="91425" lIns="91425" spcFirstLastPara="1" rIns="91425" wrap="square" tIns="91425">
-            <a:noAutofit/>
-          </a:bodyPr>
-          <a:lstStyle/>
-          <a:p>
-            <a:pPr indent="0" lvl="0" marL="0" rtl="0" algn="l">
-              <a:spcBef>
-                <a:spcPts val="0"/>
-              </a:spcBef>
-              <a:spcAft>
-                <a:spcPts val="0"/>
-              </a:spcAft>
-              <a:buNone/>
-            </a:pPr>
-            <a:r>
-              <a:t/>
-            </a:r>
-            <a:endParaRPr/>
-          </a:p>
-        </p:txBody>
-      </p:sp>
-      <p:sp>
-        <p:nvSpPr>
-          <p:cNvPr id="127" name="Google Shape;127;p19"/>
-          <p:cNvSpPr txBox="1"/>
-          <p:nvPr>
-            <p:ph type="title"/>
-          </p:nvPr>
-        </p:nvSpPr>
-        <p:spPr>
-          <a:xfrm>
-            <a:off x="6125275" y="2061900"/>
-            <a:ext cx="2481600" cy="2005800"/>
-          </a:xfrm>
-          <a:prstGeom prst="rect">
-            <a:avLst/>
-          </a:prstGeom>
-        </p:spPr>
-        <p:txBody>
-          <a:bodyPr anchorCtr="0" anchor="t" bIns="91425" lIns="91425" spcFirstLastPara="1" rIns="91425" wrap="square" tIns="91425">
-            <a:noAutofit/>
-          </a:bodyPr>
-          <a:lstStyle/>
-          <a:p>
-            <a:pPr indent="0" lvl="0" marL="0" rtl="0" algn="l">
-              <a:spcBef>
-                <a:spcPts val="0"/>
-              </a:spcBef>
-              <a:spcAft>
-                <a:spcPts val="0"/>
-              </a:spcAft>
-              <a:buNone/>
-            </a:pPr>
-            <a:r>
-              <a:rPr lang="en" sz="2100"/>
-              <a:t>Yixin Zhao</a:t>
-            </a:r>
-            <a:r>
-              <a:rPr lang="en" sz="2100"/>
-              <a:t> </a:t>
-            </a:r>
-            <a:endParaRPr sz="2100">
+            <a:endParaRPr b="0" sz="2000">
               <a:solidFill>
-                <a:schemeClr val="lt1"/>
+                <a:srgbClr val="E06666"/>
               </a:solidFill>
             </a:endParaRPr>
           </a:p>
           <a:p>
-            <a:pPr indent="0" lvl="0" marL="0" rtl="0" algn="l">
-              <a:spcBef>
-                <a:spcPts val="1200"/>
-              </a:spcBef>
-              <a:spcAft>
-                <a:spcPts val="1200"/>
-              </a:spcAft>
-              <a:buNone/>
+            <a:pPr indent="-355600" lvl="0" marL="457200" rtl="0" algn="l">
+              <a:lnSpc>
+                <a:spcPct val="115000"/>
+              </a:lnSpc>
+              <a:spcBef>
+                <a:spcPts val="0"/>
+              </a:spcBef>
+              <a:spcAft>
+                <a:spcPts val="0"/>
+              </a:spcAft>
+              <a:buClr>
+                <a:srgbClr val="E06666"/>
+              </a:buClr>
+              <a:buSzPts val="2000"/>
+              <a:buChar char="-"/>
             </a:pPr>
             <a:r>
-              <a:rPr b="0" lang="en" sz="1400"/>
-              <a:t>Frontend</a:t>
+              <a:rPr b="0" lang="en" sz="2000">
+                <a:solidFill>
+                  <a:srgbClr val="E06666"/>
+                </a:solidFill>
+              </a:rPr>
+              <a:t>Setup</a:t>
             </a:r>
-            <a:endParaRPr b="0" sz="1400">
+            <a:r>
+              <a:rPr b="0" lang="en" sz="2000">
+                <a:solidFill>
+                  <a:srgbClr val="E06666"/>
+                </a:solidFill>
+              </a:rPr>
+              <a:t> the login &amp; register page -high, Size - 4</a:t>
+            </a:r>
+            <a:endParaRPr b="0" sz="2000">
               <a:solidFill>
-                <a:schemeClr val="lt1"/>
-              </a:solidFill>
-            </a:endParaRPr>
-          </a:p>
-        </p:txBody>
-      </p:sp>
-      <p:sp>
-        <p:nvSpPr>
-          <p:cNvPr id="128" name="Google Shape;128;p19"/>
-          <p:cNvSpPr txBox="1"/>
-          <p:nvPr>
-            <p:ph type="title"/>
-          </p:nvPr>
-        </p:nvSpPr>
-        <p:spPr>
-          <a:xfrm>
-            <a:off x="447975" y="2061900"/>
-            <a:ext cx="2481600" cy="2005800"/>
-          </a:xfrm>
-          <a:prstGeom prst="rect">
-            <a:avLst/>
-          </a:prstGeom>
-        </p:spPr>
-        <p:txBody>
-          <a:bodyPr anchorCtr="0" anchor="t" bIns="91425" lIns="91425" spcFirstLastPara="1" rIns="91425" wrap="square" tIns="91425">
-            <a:noAutofit/>
-          </a:bodyPr>
-          <a:lstStyle/>
-          <a:p>
-            <a:pPr indent="0" lvl="0" marL="0" rtl="0" algn="l">
-              <a:spcBef>
-                <a:spcPts val="0"/>
-              </a:spcBef>
-              <a:spcAft>
-                <a:spcPts val="0"/>
-              </a:spcAft>
-              <a:buNone/>
-            </a:pPr>
-            <a:r>
-              <a:rPr lang="en" sz="2100"/>
-              <a:t>Kumar Akshat</a:t>
-            </a:r>
-            <a:endParaRPr sz="2100">
-              <a:solidFill>
-                <a:schemeClr val="lt1"/>
+                <a:srgbClr val="E06666"/>
               </a:solidFill>
             </a:endParaRPr>
           </a:p>
           <a:p>
-            <a:pPr indent="0" lvl="0" marL="0" rtl="0" algn="l">
-              <a:spcBef>
-                <a:spcPts val="1200"/>
-              </a:spcBef>
-              <a:spcAft>
-                <a:spcPts val="0"/>
-              </a:spcAft>
-              <a:buNone/>
+            <a:pPr indent="-355600" lvl="0" marL="457200" rtl="0" algn="l">
+              <a:lnSpc>
+                <a:spcPct val="115000"/>
+              </a:lnSpc>
+              <a:spcBef>
+                <a:spcPts val="0"/>
+              </a:spcBef>
+              <a:spcAft>
+                <a:spcPts val="0"/>
+              </a:spcAft>
+              <a:buClr>
+                <a:srgbClr val="E06666"/>
+              </a:buClr>
+              <a:buSzPts val="2000"/>
+              <a:buChar char="-"/>
             </a:pPr>
             <a:r>
-              <a:rPr b="0" lang="en" sz="1400"/>
-              <a:t>Backend</a:t>
+              <a:rPr b="0" lang="en" sz="2000">
+                <a:solidFill>
+                  <a:srgbClr val="E06666"/>
+                </a:solidFill>
+              </a:rPr>
+              <a:t>Cleaning the data for backend -high, Size - 4</a:t>
             </a:r>
-            <a:endParaRPr b="0" sz="1400"/>
-          </a:p>
-          <a:p>
-            <a:pPr indent="0" lvl="0" marL="0" rtl="0" algn="l">
-              <a:spcBef>
-                <a:spcPts val="1200"/>
-              </a:spcBef>
-              <a:spcAft>
-                <a:spcPts val="1200"/>
-              </a:spcAft>
-              <a:buNone/>
-            </a:pPr>
-            <a:r>
-              <a:t/>
-            </a:r>
-            <a:endParaRPr b="0" sz="1400"/>
-          </a:p>
-        </p:txBody>
-      </p:sp>
-      <p:sp>
-        <p:nvSpPr>
-          <p:cNvPr id="129" name="Google Shape;129;p19"/>
-          <p:cNvSpPr txBox="1"/>
-          <p:nvPr>
-            <p:ph type="title"/>
-          </p:nvPr>
-        </p:nvSpPr>
-        <p:spPr>
-          <a:xfrm>
-            <a:off x="3286625" y="2061900"/>
-            <a:ext cx="2481600" cy="2005800"/>
-          </a:xfrm>
-          <a:prstGeom prst="rect">
-            <a:avLst/>
-          </a:prstGeom>
-        </p:spPr>
-        <p:txBody>
-          <a:bodyPr anchorCtr="0" anchor="t" bIns="91425" lIns="91425" spcFirstLastPara="1" rIns="91425" wrap="square" tIns="91425">
-            <a:noAutofit/>
-          </a:bodyPr>
-          <a:lstStyle/>
-          <a:p>
-            <a:pPr indent="0" lvl="0" marL="0" rtl="0" algn="l">
-              <a:spcBef>
-                <a:spcPts val="0"/>
-              </a:spcBef>
-              <a:spcAft>
-                <a:spcPts val="0"/>
-              </a:spcAft>
-              <a:buNone/>
-            </a:pPr>
-            <a:r>
-              <a:rPr lang="en" sz="2100"/>
-              <a:t>Chetan Birthare</a:t>
-            </a:r>
-            <a:endParaRPr sz="2100">
+            <a:endParaRPr b="0" sz="2000">
               <a:solidFill>
-                <a:schemeClr val="lt1"/>
+                <a:srgbClr val="E06666"/>
               </a:solidFill>
             </a:endParaRPr>
           </a:p>
           <a:p>
-            <a:pPr indent="0" lvl="0" marL="0" rtl="0" algn="l">
-              <a:spcBef>
-                <a:spcPts val="1200"/>
-              </a:spcBef>
-              <a:spcAft>
-                <a:spcPts val="0"/>
-              </a:spcAft>
-              <a:buNone/>
+            <a:pPr indent="-355600" lvl="0" marL="457200" rtl="0" algn="l">
+              <a:lnSpc>
+                <a:spcPct val="115000"/>
+              </a:lnSpc>
+              <a:spcBef>
+                <a:spcPts val="0"/>
+              </a:spcBef>
+              <a:spcAft>
+                <a:spcPts val="0"/>
+              </a:spcAft>
+              <a:buClr>
+                <a:srgbClr val="E06666"/>
+              </a:buClr>
+              <a:buSzPts val="2000"/>
+              <a:buChar char="-"/>
             </a:pPr>
             <a:r>
-              <a:rPr b="0" lang="en" sz="1400"/>
-              <a:t>Backend</a:t>
+              <a:rPr b="0" lang="en" sz="2000">
+                <a:solidFill>
+                  <a:srgbClr val="E06666"/>
+                </a:solidFill>
+              </a:rPr>
+              <a:t>Scriping the stock data from 1999 to now including all company in US - High, Size -4</a:t>
             </a:r>
-            <a:endParaRPr b="0" sz="1400"/>
+            <a:endParaRPr b="0" sz="2000">
+              <a:solidFill>
+                <a:srgbClr val="E06666"/>
+              </a:solidFill>
+            </a:endParaRPr>
           </a:p>
           <a:p>
-            <a:pPr indent="0" lvl="0" marL="0" rtl="0" algn="l">
-              <a:spcBef>
-                <a:spcPts val="1200"/>
-              </a:spcBef>
-              <a:spcAft>
-                <a:spcPts val="1200"/>
-              </a:spcAft>
-              <a:buNone/>
+            <a:pPr indent="-355600" lvl="0" marL="457200" rtl="0" algn="l">
+              <a:lnSpc>
+                <a:spcPct val="115000"/>
+              </a:lnSpc>
+              <a:spcBef>
+                <a:spcPts val="0"/>
+              </a:spcBef>
+              <a:spcAft>
+                <a:spcPts val="0"/>
+              </a:spcAft>
+              <a:buClr>
+                <a:srgbClr val="E06666"/>
+              </a:buClr>
+              <a:buSzPts val="2000"/>
+              <a:buChar char="-"/>
             </a:pPr>
             <a:r>
-              <a:t/>
+              <a:rPr b="0" lang="en" sz="2000">
+                <a:solidFill>
+                  <a:srgbClr val="E06666"/>
+                </a:solidFill>
+              </a:rPr>
+              <a:t>Make back-end can auto update </a:t>
             </a:r>
-            <a:endParaRPr b="0" sz="1400"/>
+            <a:r>
+              <a:rPr b="0" lang="en" sz="2000">
+                <a:solidFill>
+                  <a:srgbClr val="E06666"/>
+                </a:solidFill>
+              </a:rPr>
+              <a:t>every</a:t>
+            </a:r>
+            <a:r>
+              <a:rPr b="0" lang="en" sz="2000">
+                <a:solidFill>
+                  <a:srgbClr val="E06666"/>
+                </a:solidFill>
+              </a:rPr>
+              <a:t> 24h -medium, Size - 3</a:t>
+            </a:r>
+            <a:endParaRPr b="0" sz="2000">
+              <a:solidFill>
+                <a:srgbClr val="E06666"/>
+              </a:solidFill>
+            </a:endParaRPr>
+          </a:p>
+          <a:p>
+            <a:pPr indent="-355600" lvl="0" marL="457200" rtl="0" algn="l">
+              <a:lnSpc>
+                <a:spcPct val="115000"/>
+              </a:lnSpc>
+              <a:spcBef>
+                <a:spcPts val="0"/>
+              </a:spcBef>
+              <a:spcAft>
+                <a:spcPts val="0"/>
+              </a:spcAft>
+              <a:buClr>
+                <a:srgbClr val="E06666"/>
+              </a:buClr>
+              <a:buSzPts val="2000"/>
+              <a:buChar char="-"/>
+            </a:pPr>
+            <a:r>
+              <a:rPr b="0" lang="en" sz="2000">
+                <a:solidFill>
+                  <a:srgbClr val="E06666"/>
+                </a:solidFill>
+              </a:rPr>
+              <a:t>Setup the logic for user login and logout - Medium, Size - 3</a:t>
+            </a:r>
+            <a:endParaRPr b="0" sz="2000">
+              <a:solidFill>
+                <a:srgbClr val="E06666"/>
+              </a:solidFill>
+            </a:endParaRPr>
+          </a:p>
+          <a:p>
+            <a:pPr indent="-355600" lvl="0" marL="457200" rtl="0" algn="l">
+              <a:lnSpc>
+                <a:spcPct val="115000"/>
+              </a:lnSpc>
+              <a:spcBef>
+                <a:spcPts val="0"/>
+              </a:spcBef>
+              <a:spcAft>
+                <a:spcPts val="0"/>
+              </a:spcAft>
+              <a:buClr>
+                <a:srgbClr val="E06666"/>
+              </a:buClr>
+              <a:buSzPts val="2000"/>
+              <a:buChar char="-"/>
+            </a:pPr>
+            <a:r>
+              <a:rPr b="0" lang="en" sz="2000">
+                <a:solidFill>
+                  <a:srgbClr val="E06666"/>
+                </a:solidFill>
+              </a:rPr>
+              <a:t>Setup the </a:t>
+            </a:r>
+            <a:r>
+              <a:rPr b="0" lang="en" sz="2000">
+                <a:solidFill>
+                  <a:srgbClr val="E06666"/>
+                </a:solidFill>
+              </a:rPr>
+              <a:t>sidebar</a:t>
+            </a:r>
+            <a:r>
+              <a:rPr b="0" lang="en" sz="2000">
+                <a:solidFill>
+                  <a:srgbClr val="E06666"/>
+                </a:solidFill>
+              </a:rPr>
+              <a:t> for </a:t>
+            </a:r>
+            <a:r>
+              <a:rPr b="0" lang="en" sz="2000">
+                <a:solidFill>
+                  <a:srgbClr val="E06666"/>
+                </a:solidFill>
+              </a:rPr>
+              <a:t>multiple</a:t>
+            </a:r>
+            <a:r>
+              <a:rPr b="0" lang="en" sz="2000">
+                <a:solidFill>
+                  <a:srgbClr val="E06666"/>
+                </a:solidFill>
+              </a:rPr>
+              <a:t> page: Priority - Medium, Size - 3 </a:t>
+            </a:r>
+            <a:endParaRPr b="0" sz="2000">
+              <a:solidFill>
+                <a:srgbClr val="E06666"/>
+              </a:solidFill>
+            </a:endParaRPr>
+          </a:p>
+          <a:p>
+            <a:pPr indent="-355600" lvl="0" marL="457200" rtl="0" algn="l">
+              <a:lnSpc>
+                <a:spcPct val="115000"/>
+              </a:lnSpc>
+              <a:spcBef>
+                <a:spcPts val="0"/>
+              </a:spcBef>
+              <a:spcAft>
+                <a:spcPts val="0"/>
+              </a:spcAft>
+              <a:buClr>
+                <a:srgbClr val="E06666"/>
+              </a:buClr>
+              <a:buSzPts val="2000"/>
+              <a:buChar char="-"/>
+            </a:pPr>
+            <a:r>
+              <a:rPr b="0" lang="en" sz="2000">
+                <a:solidFill>
+                  <a:srgbClr val="E06666"/>
+                </a:solidFill>
+              </a:rPr>
+              <a:t>Setup the top bar for </a:t>
+            </a:r>
+            <a:r>
+              <a:rPr b="0" lang="en" sz="2000">
+                <a:solidFill>
+                  <a:srgbClr val="E06666"/>
+                </a:solidFill>
+              </a:rPr>
+              <a:t>multiple</a:t>
+            </a:r>
+            <a:r>
+              <a:rPr b="0" lang="en" sz="2000">
+                <a:solidFill>
+                  <a:srgbClr val="E06666"/>
+                </a:solidFill>
+              </a:rPr>
+              <a:t> page: Priority - Medium, Size - 3 </a:t>
+            </a:r>
+            <a:endParaRPr b="0" sz="2000">
+              <a:solidFill>
+                <a:srgbClr val="E06666"/>
+              </a:solidFill>
+            </a:endParaRPr>
+          </a:p>
+          <a:p>
+            <a:pPr indent="-355600" lvl="0" marL="457200" rtl="0" algn="l">
+              <a:lnSpc>
+                <a:spcPct val="115000"/>
+              </a:lnSpc>
+              <a:spcBef>
+                <a:spcPts val="0"/>
+              </a:spcBef>
+              <a:spcAft>
+                <a:spcPts val="0"/>
+              </a:spcAft>
+              <a:buClr>
+                <a:srgbClr val="E06666"/>
+              </a:buClr>
+              <a:buSzPts val="2000"/>
+              <a:buChar char="-"/>
+            </a:pPr>
+            <a:r>
+              <a:rPr b="0" lang="en" sz="2000">
+                <a:solidFill>
+                  <a:srgbClr val="E06666"/>
+                </a:solidFill>
+              </a:rPr>
+              <a:t>Setup the logic for search bar </a:t>
+            </a:r>
+            <a:r>
+              <a:rPr b="0" lang="en" sz="2000">
+                <a:solidFill>
+                  <a:srgbClr val="E06666"/>
+                </a:solidFill>
+              </a:rPr>
+              <a:t>autocomplete</a:t>
+            </a:r>
+            <a:r>
+              <a:rPr b="0" lang="en" sz="2000">
+                <a:solidFill>
+                  <a:srgbClr val="E06666"/>
+                </a:solidFill>
+              </a:rPr>
+              <a:t>- Low, Size - 4 </a:t>
+            </a:r>
+            <a:endParaRPr b="0" sz="2000">
+              <a:solidFill>
+                <a:srgbClr val="E06666"/>
+              </a:solidFill>
+            </a:endParaRPr>
+          </a:p>
+          <a:p>
+            <a:pPr indent="-355600" lvl="0" marL="457200" rtl="0" algn="l">
+              <a:lnSpc>
+                <a:spcPct val="115000"/>
+              </a:lnSpc>
+              <a:spcBef>
+                <a:spcPts val="0"/>
+              </a:spcBef>
+              <a:spcAft>
+                <a:spcPts val="0"/>
+              </a:spcAft>
+              <a:buClr>
+                <a:srgbClr val="E06666"/>
+              </a:buClr>
+              <a:buSzPts val="2000"/>
+              <a:buChar char="-"/>
+            </a:pPr>
+            <a:r>
+              <a:rPr b="0" lang="en" sz="2000">
+                <a:solidFill>
+                  <a:srgbClr val="E06666"/>
+                </a:solidFill>
+              </a:rPr>
+              <a:t>Log out the data into a json file - Low, Size -3</a:t>
+            </a:r>
+            <a:endParaRPr b="0" sz="3100">
+              <a:solidFill>
+                <a:srgbClr val="E06666"/>
+              </a:solidFill>
+            </a:endParaRPr>
           </a:p>
         </p:txBody>
       </p:sp>
@@ -11211,7 +11336,7 @@
         </p:nvSpPr>
         <p:spPr>
           <a:xfrm>
-            <a:off x="260849" y="322925"/>
+            <a:off x="260849" y="456925"/>
             <a:ext cx="8622300" cy="3835500"/>
           </a:xfrm>
           <a:prstGeom prst="rect">
@@ -11235,7 +11360,11 @@
             </a:pPr>
             <a:r>
               <a:rPr lang="en"/>
-              <a:t>Product Backlog:</a:t>
+              <a:t>Accepted Criteria</a:t>
+            </a:r>
+            <a:r>
+              <a:rPr lang="en"/>
+              <a:t>:</a:t>
             </a:r>
             <a:endParaRPr b="0" sz="1300">
               <a:solidFill>
@@ -11259,23 +11388,32 @@
                 <a:spcPts val="0"/>
               </a:spcAft>
               <a:buClr>
-                <a:srgbClr val="E06666"/>
+                <a:srgbClr val="BF9000"/>
               </a:buClr>
               <a:buSzPts val="2000"/>
+              <a:buFont typeface="Georgia"/>
               <a:buChar char="-"/>
             </a:pPr>
             <a:r>
               <a:rPr b="0" lang="en" sz="2000">
                 <a:solidFill>
-                  <a:srgbClr val="E06666"/>
-                </a:solidFill>
+                  <a:srgbClr val="BF9000"/>
+                </a:solidFill>
+                <a:latin typeface="Georgia"/>
+                <a:ea typeface="Georgia"/>
+                <a:cs typeface="Georgia"/>
+                <a:sym typeface="Georgia"/>
               </a:rPr>
-              <a:t>Setup the landing page- high, Size - 2 </a:t>
+              <a:t>Clean layout in landing page </a:t>
             </a:r>
             <a:endParaRPr b="0" sz="2000">
               <a:solidFill>
-                <a:srgbClr val="E06666"/>
+                <a:srgbClr val="BF9000"/>
               </a:solidFill>
+              <a:latin typeface="Georgia"/>
+              <a:ea typeface="Georgia"/>
+              <a:cs typeface="Georgia"/>
+              <a:sym typeface="Georgia"/>
             </a:endParaRPr>
           </a:p>
           <a:p>
@@ -11290,31 +11428,32 @@
                 <a:spcPts val="0"/>
               </a:spcAft>
               <a:buClr>
-                <a:srgbClr val="E06666"/>
+                <a:srgbClr val="BF9000"/>
               </a:buClr>
               <a:buSzPts val="2000"/>
+              <a:buFont typeface="Georgia"/>
               <a:buChar char="-"/>
             </a:pPr>
             <a:r>
               <a:rPr b="0" lang="en" sz="2000">
                 <a:solidFill>
-                  <a:srgbClr val="E06666"/>
-                </a:solidFill>
+                  <a:srgbClr val="BF9000"/>
+                </a:solidFill>
+                <a:latin typeface="Georgia"/>
+                <a:ea typeface="Georgia"/>
+                <a:cs typeface="Georgia"/>
+                <a:sym typeface="Georgia"/>
               </a:rPr>
-              <a:t>Setup</a:t>
-            </a:r>
-            <a:r>
-              <a:rPr b="0" lang="en" sz="2000">
-                <a:solidFill>
-                  <a:srgbClr val="E06666"/>
-                </a:solidFill>
-              </a:rPr>
-              <a:t> the login &amp; register page -high, Size - 4</a:t>
+              <a:t>Given a user when user fill out the login or register form, then user information should be handled by backend and stored in database.</a:t>
             </a:r>
             <a:endParaRPr b="0" sz="2000">
               <a:solidFill>
-                <a:srgbClr val="E06666"/>
+                <a:srgbClr val="BF9000"/>
               </a:solidFill>
+              <a:latin typeface="Georgia"/>
+              <a:ea typeface="Georgia"/>
+              <a:cs typeface="Georgia"/>
+              <a:sym typeface="Georgia"/>
             </a:endParaRPr>
           </a:p>
           <a:p>
@@ -11329,23 +11468,32 @@
                 <a:spcPts val="0"/>
               </a:spcAft>
               <a:buClr>
-                <a:srgbClr val="E06666"/>
+                <a:srgbClr val="BF9000"/>
               </a:buClr>
               <a:buSzPts val="2000"/>
+              <a:buFont typeface="Georgia"/>
               <a:buChar char="-"/>
             </a:pPr>
             <a:r>
               <a:rPr b="0" lang="en" sz="2000">
                 <a:solidFill>
-                  <a:srgbClr val="E06666"/>
-                </a:solidFill>
+                  <a:srgbClr val="BF9000"/>
+                </a:solidFill>
+                <a:latin typeface="Georgia"/>
+                <a:ea typeface="Georgia"/>
+                <a:cs typeface="Georgia"/>
+                <a:sym typeface="Georgia"/>
               </a:rPr>
-              <a:t>Cleaning the data for backend -high, Size - 4</a:t>
+              <a:t>Make all the stock data should sorted by time and company name</a:t>
             </a:r>
             <a:endParaRPr b="0" sz="2000">
               <a:solidFill>
-                <a:srgbClr val="E06666"/>
+                <a:srgbClr val="BF9000"/>
               </a:solidFill>
+              <a:latin typeface="Georgia"/>
+              <a:ea typeface="Georgia"/>
+              <a:cs typeface="Georgia"/>
+              <a:sym typeface="Georgia"/>
             </a:endParaRPr>
           </a:p>
           <a:p>
@@ -11360,23 +11508,32 @@
                 <a:spcPts val="0"/>
               </a:spcAft>
               <a:buClr>
-                <a:srgbClr val="E06666"/>
+                <a:srgbClr val="BF9000"/>
               </a:buClr>
               <a:buSzPts val="2000"/>
+              <a:buFont typeface="Georgia"/>
               <a:buChar char="-"/>
             </a:pPr>
             <a:r>
               <a:rPr b="0" lang="en" sz="2000">
                 <a:solidFill>
-                  <a:srgbClr val="E06666"/>
-                </a:solidFill>
+                  <a:srgbClr val="BF9000"/>
+                </a:solidFill>
+                <a:latin typeface="Georgia"/>
+                <a:ea typeface="Georgia"/>
+                <a:cs typeface="Georgia"/>
+                <a:sym typeface="Georgia"/>
               </a:rPr>
-              <a:t>Scriping the stock data from 1999 to now including all company in US - High, Size -4</a:t>
+              <a:t>When user is typing in search bar the autocompletion algo should run</a:t>
             </a:r>
             <a:endParaRPr b="0" sz="2000">
               <a:solidFill>
-                <a:srgbClr val="E06666"/>
+                <a:srgbClr val="BF9000"/>
               </a:solidFill>
+              <a:latin typeface="Georgia"/>
+              <a:ea typeface="Georgia"/>
+              <a:cs typeface="Georgia"/>
+              <a:sym typeface="Georgia"/>
             </a:endParaRPr>
           </a:p>
           <a:p>
@@ -11391,39 +11548,32 @@
                 <a:spcPts val="0"/>
               </a:spcAft>
               <a:buClr>
-                <a:srgbClr val="E06666"/>
+                <a:srgbClr val="BF9000"/>
               </a:buClr>
               <a:buSzPts val="2000"/>
+              <a:buFont typeface="Georgia"/>
               <a:buChar char="-"/>
             </a:pPr>
             <a:r>
               <a:rPr b="0" lang="en" sz="2000">
                 <a:solidFill>
-                  <a:srgbClr val="E06666"/>
-                </a:solidFill>
+                  <a:srgbClr val="BF9000"/>
+                </a:solidFill>
+                <a:latin typeface="Georgia"/>
+                <a:ea typeface="Georgia"/>
+                <a:cs typeface="Georgia"/>
+                <a:sym typeface="Georgia"/>
               </a:rPr>
-              <a:t>Make back-end can auto update </a:t>
-            </a:r>
-            <a:r>
-              <a:rPr b="0" lang="en" sz="2000">
-                <a:solidFill>
-                  <a:srgbClr val="E06666"/>
-                </a:solidFill>
-              </a:rPr>
-              <a:t>every</a:t>
-            </a:r>
-            <a:r>
-              <a:rPr b="0" lang="en" sz="2000">
-                <a:solidFill>
-                  <a:srgbClr val="E06666"/>
-                </a:solidFill>
-              </a:rPr>
-              <a:t> 24h -medium, Size - 3</a:t>
+              <a:t>Proper Data json output</a:t>
             </a:r>
             <a:endParaRPr b="0" sz="2000">
               <a:solidFill>
-                <a:srgbClr val="E06666"/>
+                <a:srgbClr val="BF9000"/>
               </a:solidFill>
+              <a:latin typeface="Georgia"/>
+              <a:ea typeface="Georgia"/>
+              <a:cs typeface="Georgia"/>
+              <a:sym typeface="Georgia"/>
             </a:endParaRPr>
           </a:p>
           <a:p>
@@ -11438,23 +11588,32 @@
                 <a:spcPts val="0"/>
               </a:spcAft>
               <a:buClr>
-                <a:srgbClr val="E06666"/>
+                <a:srgbClr val="BF9000"/>
               </a:buClr>
               <a:buSzPts val="2000"/>
+              <a:buFont typeface="Georgia"/>
               <a:buChar char="-"/>
             </a:pPr>
             <a:r>
               <a:rPr b="0" lang="en" sz="2000">
                 <a:solidFill>
-                  <a:srgbClr val="E06666"/>
-                </a:solidFill>
+                  <a:srgbClr val="BF9000"/>
+                </a:solidFill>
+                <a:latin typeface="Georgia"/>
+                <a:ea typeface="Georgia"/>
+                <a:cs typeface="Georgia"/>
+                <a:sym typeface="Georgia"/>
               </a:rPr>
-              <a:t>Setup the logic for user login and logout - Medium, Size - 3</a:t>
+              <a:t>Accurate data storage</a:t>
             </a:r>
             <a:endParaRPr b="0" sz="2000">
               <a:solidFill>
-                <a:srgbClr val="E06666"/>
+                <a:srgbClr val="BF9000"/>
               </a:solidFill>
+              <a:latin typeface="Georgia"/>
+              <a:ea typeface="Georgia"/>
+              <a:cs typeface="Georgia"/>
+              <a:sym typeface="Georgia"/>
             </a:endParaRPr>
           </a:p>
           <a:p>
@@ -11469,179 +11628,27 @@
                 <a:spcPts val="0"/>
               </a:spcAft>
               <a:buClr>
-                <a:srgbClr val="E06666"/>
+                <a:srgbClr val="BF9000"/>
               </a:buClr>
               <a:buSzPts val="2000"/>
+              <a:buFont typeface="Georgia"/>
               <a:buChar char="-"/>
             </a:pPr>
             <a:r>
               <a:rPr b="0" lang="en" sz="2000">
                 <a:solidFill>
-                  <a:srgbClr val="E06666"/>
-                </a:solidFill>
+                  <a:srgbClr val="BF9000"/>
+                </a:solidFill>
+                <a:latin typeface="Georgia"/>
+                <a:ea typeface="Georgia"/>
+                <a:cs typeface="Georgia"/>
+                <a:sym typeface="Georgia"/>
               </a:rPr>
-              <a:t>Setup the </a:t>
+              <a:t>Back-end auto update</a:t>
             </a:r>
-            <a:r>
-              <a:rPr b="0" lang="en" sz="2000">
-                <a:solidFill>
-                  <a:srgbClr val="E06666"/>
-                </a:solidFill>
-              </a:rPr>
-              <a:t>sidebar</a:t>
-            </a:r>
-            <a:r>
-              <a:rPr b="0" lang="en" sz="2000">
-                <a:solidFill>
-                  <a:srgbClr val="E06666"/>
-                </a:solidFill>
-              </a:rPr>
-              <a:t> for </a:t>
-            </a:r>
-            <a:r>
-              <a:rPr b="0" lang="en" sz="2000">
-                <a:solidFill>
-                  <a:srgbClr val="E06666"/>
-                </a:solidFill>
-              </a:rPr>
-              <a:t>multiple</a:t>
-            </a:r>
-            <a:r>
-              <a:rPr b="0" lang="en" sz="2000">
-                <a:solidFill>
-                  <a:srgbClr val="E06666"/>
-                </a:solidFill>
-              </a:rPr>
-              <a:t> page: Priority - Medium, Size - 3 </a:t>
-            </a:r>
-            <a:endParaRPr b="0" sz="2000">
+            <a:endParaRPr b="0" sz="2700">
               <a:solidFill>
-                <a:srgbClr val="E06666"/>
-              </a:solidFill>
-            </a:endParaRPr>
-          </a:p>
-          <a:p>
-            <a:pPr indent="-355600" lvl="0" marL="457200" rtl="0" algn="l">
-              <a:lnSpc>
-                <a:spcPct val="115000"/>
-              </a:lnSpc>
-              <a:spcBef>
-                <a:spcPts val="0"/>
-              </a:spcBef>
-              <a:spcAft>
-                <a:spcPts val="0"/>
-              </a:spcAft>
-              <a:buClr>
-                <a:srgbClr val="E06666"/>
-              </a:buClr>
-              <a:buSzPts val="2000"/>
-              <a:buChar char="-"/>
-            </a:pPr>
-            <a:r>
-              <a:rPr b="0" lang="en" sz="2000">
-                <a:solidFill>
-                  <a:srgbClr val="E06666"/>
-                </a:solidFill>
-              </a:rPr>
-              <a:t>Setup the top bar for </a:t>
-            </a:r>
-            <a:r>
-              <a:rPr b="0" lang="en" sz="2000">
-                <a:solidFill>
-                  <a:srgbClr val="E06666"/>
-                </a:solidFill>
-              </a:rPr>
-              <a:t>multiple</a:t>
-            </a:r>
-            <a:r>
-              <a:rPr b="0" lang="en" sz="2000">
-                <a:solidFill>
-                  <a:srgbClr val="E06666"/>
-                </a:solidFill>
-              </a:rPr>
-              <a:t> page: Priority - Medium, Size - 3 </a:t>
-            </a:r>
-            <a:endParaRPr b="0" sz="2000">
-              <a:solidFill>
-                <a:srgbClr val="E06666"/>
-              </a:solidFill>
-            </a:endParaRPr>
-          </a:p>
-          <a:p>
-            <a:pPr indent="-355600" lvl="0" marL="457200" rtl="0" algn="l">
-              <a:lnSpc>
-                <a:spcPct val="115000"/>
-              </a:lnSpc>
-              <a:spcBef>
-                <a:spcPts val="0"/>
-              </a:spcBef>
-              <a:spcAft>
-                <a:spcPts val="0"/>
-              </a:spcAft>
-              <a:buClr>
-                <a:srgbClr val="E06666"/>
-              </a:buClr>
-              <a:buSzPts val="2000"/>
-              <a:buChar char="-"/>
-            </a:pPr>
-            <a:r>
-              <a:rPr b="0" lang="en" sz="2000">
-                <a:solidFill>
-                  <a:srgbClr val="E06666"/>
-                </a:solidFill>
-              </a:rPr>
-              <a:t>Setup the logic for search bar </a:t>
-            </a:r>
-            <a:r>
-              <a:rPr b="0" lang="en" sz="2000">
-                <a:solidFill>
-                  <a:srgbClr val="E06666"/>
-                </a:solidFill>
-              </a:rPr>
-              <a:t>autocomplete</a:t>
-            </a:r>
-            <a:r>
-              <a:rPr b="0" lang="en" sz="2000">
-                <a:solidFill>
-                  <a:srgbClr val="E06666"/>
-                </a:solidFill>
-              </a:rPr>
-              <a:t>- Low, Size - 4 </a:t>
-            </a:r>
-            <a:endParaRPr b="0" sz="2000">
-              <a:solidFill>
-                <a:srgbClr val="E06666"/>
-              </a:solidFill>
-            </a:endParaRPr>
-          </a:p>
-          <a:p>
-            <a:pPr indent="-355600" lvl="0" marL="457200" rtl="0" algn="l">
-              <a:lnSpc>
-                <a:spcPct val="115000"/>
-              </a:lnSpc>
-              <a:spcBef>
-                <a:spcPts val="0"/>
-              </a:spcBef>
-              <a:spcAft>
-                <a:spcPts val="0"/>
-              </a:spcAft>
-              <a:buClr>
-                <a:srgbClr val="E06666"/>
-              </a:buClr>
-              <a:buSzPts val="2000"/>
-              <a:buChar char="-"/>
-            </a:pPr>
-            <a:r>
-              <a:rPr b="0" lang="en" sz="2000">
-                <a:solidFill>
-                  <a:srgbClr val="E06666"/>
-                </a:solidFill>
-              </a:rPr>
-              <a:t>Log out the data into a json file - Low, Size -3</a:t>
-            </a:r>
-            <a:endParaRPr b="0" sz="3100">
-              <a:solidFill>
-                <a:srgbClr val="E06666"/>
+                <a:srgbClr val="BF9000"/>
               </a:solidFill>
             </a:endParaRPr>
           </a:p>
@@ -11682,15 +11689,15 @@
         </p:nvSpPr>
         <p:spPr>
           <a:xfrm>
-            <a:off x="260849" y="456925"/>
-            <a:ext cx="8622300" cy="3835500"/>
+            <a:off x="254099" y="118794"/>
+            <a:ext cx="8635800" cy="1272900"/>
           </a:xfrm>
           <a:prstGeom prst="rect">
             <a:avLst/>
           </a:prstGeom>
         </p:spPr>
         <p:txBody>
-          <a:bodyPr anchorCtr="0" anchor="t" bIns="91425" lIns="91425" spcFirstLastPara="1" rIns="91425" wrap="square" tIns="91425">
+          <a:bodyPr anchorCtr="0" anchor="ctr" bIns="91425" lIns="91425" spcFirstLastPara="1" rIns="91425" wrap="square" tIns="91425">
             <a:noAutofit/>
           </a:bodyPr>
           <a:lstStyle/>
@@ -11706,300 +11713,40 @@
             </a:pPr>
             <a:r>
               <a:rPr lang="en"/>
-              <a:t>Accepted Criteria</a:t>
+              <a:t>Project progress - Landing </a:t>
             </a:r>
-            <a:r>
-              <a:rPr lang="en"/>
-              <a:t>:</a:t>
-            </a:r>
-            <a:endParaRPr b="0" sz="1300">
-              <a:solidFill>
-                <a:schemeClr val="dk2"/>
-              </a:solidFill>
-              <a:latin typeface="Georgia"/>
-              <a:ea typeface="Georgia"/>
-              <a:cs typeface="Georgia"/>
-              <a:sym typeface="Georgia"/>
-            </a:endParaRPr>
-          </a:p>
-          <a:p>
-            <a:pPr indent="-355600" lvl="0" marL="457200" rtl="0" algn="l">
-              <a:lnSpc>
-                <a:spcPct val="115000"/>
-              </a:lnSpc>
-              <a:spcBef>
-                <a:spcPts val="1000"/>
-              </a:spcBef>
-              <a:spcAft>
-                <a:spcPts val="0"/>
-              </a:spcAft>
-              <a:buClr>
-                <a:srgbClr val="BF9000"/>
-              </a:buClr>
-              <a:buSzPts val="2000"/>
-              <a:buFont typeface="Georgia"/>
-              <a:buChar char="-"/>
-            </a:pPr>
-            <a:r>
-              <a:rPr b="0" lang="en" sz="2000">
-                <a:solidFill>
-                  <a:srgbClr val="BF9000"/>
-                </a:solidFill>
-                <a:latin typeface="Georgia"/>
-                <a:ea typeface="Georgia"/>
-                <a:cs typeface="Georgia"/>
-                <a:sym typeface="Georgia"/>
-              </a:rPr>
-              <a:t>Clean layout in landing page </a:t>
-            </a:r>
-            <a:endParaRPr b="0" sz="2000">
-              <a:solidFill>
-                <a:srgbClr val="BF9000"/>
-              </a:solidFill>
-              <a:latin typeface="Georgia"/>
-              <a:ea typeface="Georgia"/>
-              <a:cs typeface="Georgia"/>
-              <a:sym typeface="Georgia"/>
-            </a:endParaRPr>
-          </a:p>
-          <a:p>
-            <a:pPr indent="-355600" lvl="0" marL="457200" rtl="0" algn="l">
-              <a:lnSpc>
-                <a:spcPct val="115000"/>
-              </a:lnSpc>
-              <a:spcBef>
-                <a:spcPts val="0"/>
-              </a:spcBef>
-              <a:spcAft>
-                <a:spcPts val="0"/>
-              </a:spcAft>
-              <a:buClr>
-                <a:srgbClr val="BF9000"/>
-              </a:buClr>
-              <a:buSzPts val="2000"/>
-              <a:buFont typeface="Georgia"/>
-              <a:buChar char="-"/>
-            </a:pPr>
-            <a:r>
-              <a:rPr b="0" lang="en" sz="2000">
-                <a:solidFill>
-                  <a:srgbClr val="BF9000"/>
-                </a:solidFill>
-                <a:latin typeface="Georgia"/>
-                <a:ea typeface="Georgia"/>
-                <a:cs typeface="Georgia"/>
-                <a:sym typeface="Georgia"/>
-              </a:rPr>
-              <a:t>Given a user when user fill out the login or register form, then user information should be handled by backend and stored in database.</a:t>
-            </a:r>
-            <a:endParaRPr b="0" sz="2000">
-              <a:solidFill>
-                <a:srgbClr val="BF9000"/>
-              </a:solidFill>
-              <a:latin typeface="Georgia"/>
-              <a:ea typeface="Georgia"/>
-              <a:cs typeface="Georgia"/>
-              <a:sym typeface="Georgia"/>
-            </a:endParaRPr>
-          </a:p>
-          <a:p>
-            <a:pPr indent="-355600" lvl="0" marL="457200" rtl="0" algn="l">
-              <a:lnSpc>
-                <a:spcPct val="115000"/>
-              </a:lnSpc>
-              <a:spcBef>
-                <a:spcPts val="0"/>
-              </a:spcBef>
-              <a:spcAft>
-                <a:spcPts val="0"/>
-              </a:spcAft>
-              <a:buClr>
-                <a:srgbClr val="BF9000"/>
-              </a:buClr>
-              <a:buSzPts val="2000"/>
-              <a:buFont typeface="Georgia"/>
-              <a:buChar char="-"/>
-            </a:pPr>
-            <a:r>
-              <a:rPr b="0" lang="en" sz="2000">
-                <a:solidFill>
-                  <a:srgbClr val="BF9000"/>
-                </a:solidFill>
-                <a:latin typeface="Georgia"/>
-                <a:ea typeface="Georgia"/>
-                <a:cs typeface="Georgia"/>
-                <a:sym typeface="Georgia"/>
-              </a:rPr>
-              <a:t>Make all the stock data should sorted by time and company name</a:t>
-            </a:r>
-            <a:endParaRPr b="0" sz="2000">
-              <a:solidFill>
-                <a:srgbClr val="BF9000"/>
-              </a:solidFill>
-              <a:latin typeface="Georgia"/>
-              <a:ea typeface="Georgia"/>
-              <a:cs typeface="Georgia"/>
-              <a:sym typeface="Georgia"/>
-            </a:endParaRPr>
-          </a:p>
-          <a:p>
-            <a:pPr indent="-355600" lvl="0" marL="457200" rtl="0" algn="l">
-              <a:lnSpc>
-                <a:spcPct val="115000"/>
-              </a:lnSpc>
-              <a:spcBef>
-                <a:spcPts val="0"/>
-              </a:spcBef>
-              <a:spcAft>
-                <a:spcPts val="0"/>
-              </a:spcAft>
-              <a:buClr>
-                <a:srgbClr val="BF9000"/>
-              </a:buClr>
-              <a:buSzPts val="2000"/>
-              <a:buFont typeface="Georgia"/>
-              <a:buChar char="-"/>
-            </a:pPr>
-            <a:r>
-              <a:rPr b="0" lang="en" sz="2000">
-                <a:solidFill>
-                  <a:srgbClr val="BF9000"/>
-                </a:solidFill>
-                <a:latin typeface="Georgia"/>
-                <a:ea typeface="Georgia"/>
-                <a:cs typeface="Georgia"/>
-                <a:sym typeface="Georgia"/>
-              </a:rPr>
-              <a:t>When user is typing in search bar the autocompletion algo should run</a:t>
-            </a:r>
-            <a:endParaRPr b="0" sz="2000">
-              <a:solidFill>
-                <a:srgbClr val="BF9000"/>
-              </a:solidFill>
-              <a:latin typeface="Georgia"/>
-              <a:ea typeface="Georgia"/>
-              <a:cs typeface="Georgia"/>
-              <a:sym typeface="Georgia"/>
-            </a:endParaRPr>
-          </a:p>
-          <a:p>
-            <a:pPr indent="-355600" lvl="0" marL="457200" rtl="0" algn="l">
-              <a:lnSpc>
-                <a:spcPct val="115000"/>
-              </a:lnSpc>
-              <a:spcBef>
-                <a:spcPts val="0"/>
-              </a:spcBef>
-              <a:spcAft>
-                <a:spcPts val="0"/>
-              </a:spcAft>
-              <a:buClr>
-                <a:srgbClr val="BF9000"/>
-              </a:buClr>
-              <a:buSzPts val="2000"/>
-              <a:buFont typeface="Georgia"/>
-              <a:buChar char="-"/>
-            </a:pPr>
-            <a:r>
-              <a:rPr b="0" lang="en" sz="2000">
-                <a:solidFill>
-                  <a:srgbClr val="BF9000"/>
-                </a:solidFill>
-                <a:latin typeface="Georgia"/>
-                <a:ea typeface="Georgia"/>
-                <a:cs typeface="Georgia"/>
-                <a:sym typeface="Georgia"/>
-              </a:rPr>
-              <a:t>Proper Data json output</a:t>
-            </a:r>
-            <a:endParaRPr b="0" sz="2000">
-              <a:solidFill>
-                <a:srgbClr val="BF9000"/>
-              </a:solidFill>
-              <a:latin typeface="Georgia"/>
-              <a:ea typeface="Georgia"/>
-              <a:cs typeface="Georgia"/>
-              <a:sym typeface="Georgia"/>
-            </a:endParaRPr>
-          </a:p>
-          <a:p>
-            <a:pPr indent="-355600" lvl="0" marL="457200" rtl="0" algn="l">
-              <a:lnSpc>
-                <a:spcPct val="115000"/>
-              </a:lnSpc>
-              <a:spcBef>
-                <a:spcPts val="0"/>
-              </a:spcBef>
-              <a:spcAft>
-                <a:spcPts val="0"/>
-              </a:spcAft>
-              <a:buClr>
-                <a:srgbClr val="BF9000"/>
-              </a:buClr>
-              <a:buSzPts val="2000"/>
-              <a:buFont typeface="Georgia"/>
-              <a:buChar char="-"/>
-            </a:pPr>
-            <a:r>
-              <a:rPr b="0" lang="en" sz="2000">
-                <a:solidFill>
-                  <a:srgbClr val="BF9000"/>
-                </a:solidFill>
-                <a:latin typeface="Georgia"/>
-                <a:ea typeface="Georgia"/>
-                <a:cs typeface="Georgia"/>
-                <a:sym typeface="Georgia"/>
-              </a:rPr>
-              <a:t>Accurate data storage</a:t>
-            </a:r>
-            <a:endParaRPr b="0" sz="2000">
-              <a:solidFill>
-                <a:srgbClr val="BF9000"/>
-              </a:solidFill>
-              <a:latin typeface="Georgia"/>
-              <a:ea typeface="Georgia"/>
-              <a:cs typeface="Georgia"/>
-              <a:sym typeface="Georgia"/>
-            </a:endParaRPr>
-          </a:p>
-          <a:p>
-            <a:pPr indent="-355600" lvl="0" marL="457200" rtl="0" algn="l">
-              <a:lnSpc>
-                <a:spcPct val="115000"/>
-              </a:lnSpc>
-              <a:spcBef>
-                <a:spcPts val="0"/>
-              </a:spcBef>
-              <a:spcAft>
-                <a:spcPts val="0"/>
-              </a:spcAft>
-              <a:buClr>
-                <a:srgbClr val="BF9000"/>
-              </a:buClr>
-              <a:buSzPts val="2000"/>
-              <a:buFont typeface="Georgia"/>
-              <a:buChar char="-"/>
-            </a:pPr>
-            <a:r>
-              <a:rPr b="0" lang="en" sz="2000">
-                <a:solidFill>
-                  <a:srgbClr val="BF9000"/>
-                </a:solidFill>
-                <a:latin typeface="Georgia"/>
-                <a:ea typeface="Georgia"/>
-                <a:cs typeface="Georgia"/>
-                <a:sym typeface="Georgia"/>
-              </a:rPr>
-              <a:t>Back-end auto update</a:t>
-            </a:r>
-            <a:endParaRPr b="0" sz="2700">
-              <a:solidFill>
-                <a:srgbClr val="BF9000"/>
-              </a:solidFill>
-            </a:endParaRPr>
+            <a:endParaRPr/>
           </a:p>
         </p:txBody>
       </p:sp>
+      <p:pic>
+        <p:nvPicPr>
+          <p:cNvPr id="140" name="Google Shape;140;p21"/>
+          <p:cNvPicPr preferRelativeResize="0"/>
+          <p:nvPr/>
+        </p:nvPicPr>
+        <p:blipFill>
+          <a:blip r:embed="rId3">
+            <a:alphaModFix/>
+          </a:blip>
+          <a:stretch>
+            <a:fillRect/>
+          </a:stretch>
+        </p:blipFill>
+        <p:spPr>
+          <a:xfrm>
+            <a:off x="1849326" y="1173375"/>
+            <a:ext cx="5445349" cy="3743099"/>
+          </a:xfrm>
+          <a:prstGeom prst="rect">
+            <a:avLst/>
+          </a:prstGeom>
+          <a:noFill/>
+          <a:ln>
+            <a:noFill/>
+          </a:ln>
+        </p:spPr>
+      </p:pic>
     </p:spTree>
   </p:cSld>
   <p:clrMapOvr>
@@ -12009,6 +11756,285 @@
 </file>
 
 <file path=ppt/theme/theme1.xml><?xml version="1.0" encoding="utf-8"?>
+<a:theme xmlns:a="http://schemas.openxmlformats.org/drawingml/2006/main" xmlns:r="http://schemas.openxmlformats.org/officeDocument/2006/relationships" name="Swiss">
+  <a:themeElements>
+    <a:clrScheme name="Swiss">
+      <a:dk1>
+        <a:srgbClr val="F46524"/>
+      </a:dk1>
+      <a:lt1>
+        <a:srgbClr val="FFFFFF"/>
+      </a:lt1>
+      <a:dk2>
+        <a:srgbClr val="000000"/>
+      </a:dk2>
+      <a:lt2>
+        <a:srgbClr val="757575"/>
+      </a:lt2>
+      <a:accent1>
+        <a:srgbClr val="01579B"/>
+      </a:accent1>
+      <a:accent2>
+        <a:srgbClr val="27C7BD"/>
+      </a:accent2>
+      <a:accent3>
+        <a:srgbClr val="0099E8"/>
+      </a:accent3>
+      <a:accent4>
+        <a:srgbClr val="51B9A3"/>
+      </a:accent4>
+      <a:accent5>
+        <a:srgbClr val="FB8C00"/>
+      </a:accent5>
+      <a:accent6>
+        <a:srgbClr val="FFAE88"/>
+      </a:accent6>
+      <a:hlink>
+        <a:srgbClr val="0277BD"/>
+      </a:hlink>
+      <a:folHlink>
+        <a:srgbClr val="0277BD"/>
+      </a:folHlink>
+    </a:clrScheme>
+    <a:fontScheme name="Office">
+      <a:majorFont>
+        <a:latin typeface="Arial"/>
+        <a:ea typeface=""/>
+        <a:cs typeface=""/>
+        <a:font script="Jpan" typeface="ＭＳ Ｐゴシック"/>
+        <a:font script="Hang" typeface="맑은 고딕"/>
+        <a:font script="Hans" typeface="宋体"/>
+        <a:font script="Hant" typeface="新細明體"/>
+        <a:font script="Arab" typeface="Times New Roman"/>
+        <a:font script="Hebr" typeface="Times New Roman"/>
+        <a:font script="Thai" typeface="Angsana New"/>
+        <a:font script="Ethi" typeface="Nyala"/>
+        <a:font script="Beng" typeface="Vrinda"/>
+        <a:font script="Gujr" typeface="Shruti"/>
+        <a:font script="Khmr" typeface="MoolBoran"/>
+        <a:font script="Knda" typeface="Tunga"/>
+        <a:font script="Guru" typeface="Raavi"/>
+        <a:font script="Cans" typeface="Euphemia"/>
+        <a:font script="Cher" typeface="Plantagenet Cherokee"/>
+        <a:font script="Yiii" typeface="Microsoft Yi Baiti"/>
+        <a:font script="Tibt" typeface="Microsoft Himalaya"/>
+        <a:font script="Thaa" typeface="MV Boli"/>
+        <a:font script="Deva" typeface="Mangal"/>
+        <a:font script="Telu" typeface="Gautami"/>
+        <a:font script="Taml" typeface="Latha"/>
+        <a:font script="Syrc" typeface="Estrangelo Edessa"/>
+        <a:font script="Orya" typeface="Kalinga"/>
+        <a:font script="Mlym" typeface="Kartika"/>
+        <a:font script="Laoo" typeface="DokChampa"/>
+        <a:font script="Sinh" typeface="Iskoola Pota"/>
+        <a:font script="Mong" typeface="Mongolian Baiti"/>
+        <a:font script="Viet" typeface="Times New Roman"/>
+        <a:font script="Uigh" typeface="Microsoft Uighur"/>
+        <a:font script="Geor" typeface="Sylfaen"/>
+      </a:majorFont>
+      <a:minorFont>
+        <a:latin typeface="Arial"/>
+        <a:ea typeface=""/>
+        <a:cs typeface=""/>
+        <a:font script="Jpan" typeface="ＭＳ Ｐゴシック"/>
+        <a:font script="Hang" typeface="맑은 고딕"/>
+        <a:font script="Hans" typeface="宋体"/>
+        <a:font script="Hant" typeface="新細明體"/>
+        <a:font script="Arab" typeface="Arial"/>
+        <a:font script="Hebr" typeface="Arial"/>
+        <a:font script="Thai" typeface="Cordia New"/>
+        <a:font script="Ethi" typeface="Nyala"/>
+        <a:font script="Beng" typeface="Vrinda"/>
+        <a:font script="Gujr" typeface="Shruti"/>
+        <a:font script="Khmr" typeface="DaunPenh"/>
+        <a:font script="Knda" typeface="Tunga"/>
+        <a:font script="Guru" typeface="Raavi"/>
+        <a:font script="Cans" typeface="Euphemia"/>
+        <a:font script="Cher" typeface="Plantagenet Cherokee"/>
+        <a:font script="Yiii" typeface="Microsoft Yi Baiti"/>
+        <a:font script="Tibt" typeface="Microsoft Himalaya"/>
+        <a:font script="Thaa" typeface="MV Boli"/>
+        <a:font script="Deva" typeface="Mangal"/>
+        <a:font script="Telu" typeface="Gautami"/>
+        <a:font script="Taml" typeface="Latha"/>
+        <a:font script="Syrc" typeface="Estrangelo Edessa"/>
+        <a:font script="Orya" typeface="Kalinga"/>
+        <a:font script="Mlym" typeface="Kartika"/>
+        <a:font script="Laoo" typeface="DokChampa"/>
+        <a:font script="Sinh" typeface="Iskoola Pota"/>
+        <a:font script="Mong" typeface="Mongolian Baiti"/>
+        <a:font script="Viet" typeface="Arial"/>
+        <a:font script="Uigh" typeface="Microsoft Uighur"/>
+        <a:font script="Geor" typeface="Sylfaen"/>
+      </a:minorFont>
+    </a:fontScheme>
+    <a:fmtScheme name="Office">
+      <a:fillStyleLst>
+        <a:solidFill>
+          <a:schemeClr val="phClr"/>
+        </a:solidFill>
+        <a:gradFill rotWithShape="1">
+          <a:gsLst>
+            <a:gs pos="0">
+              <a:schemeClr val="phClr">
+                <a:tint val="50000"/>
+                <a:satMod val="300000"/>
+              </a:schemeClr>
+            </a:gs>
+            <a:gs pos="35000">
+              <a:schemeClr val="phClr">
+                <a:tint val="37000"/>
+                <a:satMod val="300000"/>
+              </a:schemeClr>
+            </a:gs>
+            <a:gs pos="100000">
+              <a:schemeClr val="phClr">
+                <a:tint val="15000"/>
+                <a:satMod val="350000"/>
+              </a:schemeClr>
+            </a:gs>
+          </a:gsLst>
+          <a:lin ang="16200000" scaled="1"/>
+        </a:gradFill>
+        <a:gradFill rotWithShape="1">
+          <a:gsLst>
+            <a:gs pos="0">
+              <a:schemeClr val="phClr">
+                <a:tint val="100000"/>
+                <a:shade val="100000"/>
+                <a:satMod val="130000"/>
+              </a:schemeClr>
+            </a:gs>
+            <a:gs pos="100000">
+              <a:schemeClr val="phClr">
+                <a:tint val="50000"/>
+                <a:shade val="100000"/>
+                <a:satMod val="350000"/>
+              </a:schemeClr>
+            </a:gs>
+          </a:gsLst>
+          <a:lin ang="16200000" scaled="0"/>
+        </a:gradFill>
+      </a:fillStyleLst>
+      <a:lnStyleLst>
+        <a:ln w="9525" cap="flat" cmpd="sng" algn="ctr">
+          <a:solidFill>
+            <a:schemeClr val="phClr">
+              <a:shade val="95000"/>
+              <a:satMod val="105000"/>
+            </a:schemeClr>
+          </a:solidFill>
+          <a:prstDash val="solid"/>
+        </a:ln>
+        <a:ln w="25400" cap="flat" cmpd="sng" algn="ctr">
+          <a:solidFill>
+            <a:schemeClr val="phClr"/>
+          </a:solidFill>
+          <a:prstDash val="solid"/>
+        </a:ln>
+        <a:ln w="38100" cap="flat" cmpd="sng" algn="ctr">
+          <a:solidFill>
+            <a:schemeClr val="phClr"/>
+          </a:solidFill>
+          <a:prstDash val="solid"/>
+        </a:ln>
+      </a:lnStyleLst>
+      <a:effectStyleLst>
+        <a:effectStyle>
+          <a:effectLst>
+            <a:outerShdw blurRad="40000" dist="20000" dir="5400000" rotWithShape="0">
+              <a:srgbClr val="000000">
+                <a:alpha val="38000"/>
+              </a:srgbClr>
+            </a:outerShdw>
+          </a:effectLst>
+        </a:effectStyle>
+        <a:effectStyle>
+          <a:effectLst>
+            <a:outerShdw blurRad="40000" dist="23000" dir="5400000" rotWithShape="0">
+              <a:srgbClr val="000000">
+                <a:alpha val="35000"/>
+              </a:srgbClr>
+            </a:outerShdw>
+          </a:effectLst>
+        </a:effectStyle>
+        <a:effectStyle>
+          <a:effectLst>
+            <a:outerShdw blurRad="40000" dist="23000" dir="5400000" rotWithShape="0">
+              <a:srgbClr val="000000">
+                <a:alpha val="35000"/>
+              </a:srgbClr>
+            </a:outerShdw>
+          </a:effectLst>
+          <a:scene3d>
+            <a:camera prst="orthographicFront">
+              <a:rot lat="0" lon="0" rev="0"/>
+            </a:camera>
+            <a:lightRig rig="threePt" dir="t">
+              <a:rot lat="0" lon="0" rev="1200000"/>
+            </a:lightRig>
+          </a:scene3d>
+          <a:sp3d>
+            <a:bevelT w="63500" h="25400"/>
+          </a:sp3d>
+        </a:effectStyle>
+      </a:effectStyleLst>
+      <a:bgFillStyleLst>
+        <a:solidFill>
+          <a:schemeClr val="phClr"/>
+        </a:solidFill>
+        <a:gradFill rotWithShape="1">
+          <a:gsLst>
+            <a:gs pos="0">
+              <a:schemeClr val="phClr">
+                <a:tint val="40000"/>
+                <a:satMod val="350000"/>
+              </a:schemeClr>
+            </a:gs>
+            <a:gs pos="40000">
+              <a:schemeClr val="phClr">
+                <a:tint val="45000"/>
+                <a:shade val="99000"/>
+                <a:satMod val="350000"/>
+              </a:schemeClr>
+            </a:gs>
+            <a:gs pos="100000">
+              <a:schemeClr val="phClr">
+                <a:shade val="20000"/>
+                <a:satMod val="255000"/>
+              </a:schemeClr>
+            </a:gs>
+          </a:gsLst>
+          <a:path path="circle">
+            <a:fillToRect l="50000" t="-80000" r="50000" b="180000"/>
+          </a:path>
+        </a:gradFill>
+        <a:gradFill rotWithShape="1">
+          <a:gsLst>
+            <a:gs pos="0">
+              <a:schemeClr val="phClr">
+                <a:tint val="80000"/>
+                <a:satMod val="300000"/>
+              </a:schemeClr>
+            </a:gs>
+            <a:gs pos="100000">
+              <a:schemeClr val="phClr">
+                <a:shade val="30000"/>
+                <a:satMod val="200000"/>
+              </a:schemeClr>
+            </a:gs>
+          </a:gsLst>
+          <a:path path="circle">
+            <a:fillToRect l="50000" t="50000" r="50000" b="50000"/>
+          </a:path>
+        </a:gradFill>
+      </a:bgFillStyleLst>
+    </a:fmtScheme>
+  </a:themeElements>
+</a:theme>
+</file>
+
+<file path=ppt/theme/theme2.xml><?xml version="1.0" encoding="utf-8"?>
 <a:theme xmlns:a="http://schemas.openxmlformats.org/drawingml/2006/main" xmlns:r="http://schemas.openxmlformats.org/officeDocument/2006/relationships">
   <a:themeElements>
     <a:clrScheme name="Default">
@@ -12285,283 +12311,4 @@
     </a:fmtScheme>
   </a:themeElements>
 </a:theme>
-</file>
-
-<file path=ppt/theme/theme2.xml><?xml version="1.0" encoding="utf-8"?>
-<a:theme xmlns:a="http://schemas.openxmlformats.org/drawingml/2006/main" xmlns:r="http://schemas.openxmlformats.org/officeDocument/2006/relationships" name="Swiss">
-  <a:themeElements>
-    <a:clrScheme name="Swiss">
-      <a:dk1>
-        <a:srgbClr val="F46524"/>
-      </a:dk1>
-      <a:lt1>
-        <a:srgbClr val="FFFFFF"/>
-      </a:lt1>
-      <a:dk2>
-        <a:srgbClr val="000000"/>
-      </a:dk2>
-      <a:lt2>
-        <a:srgbClr val="757575"/>
-      </a:lt2>
-      <a:accent1>
-        <a:srgbClr val="01579B"/>
-      </a:accent1>
-      <a:accent2>
-        <a:srgbClr val="27C7BD"/>
-      </a:accent2>
-      <a:accent3>
-        <a:srgbClr val="0099E8"/>
-      </a:accent3>
-      <a:accent4>
-        <a:srgbClr val="51B9A3"/>
-      </a:accent4>
-      <a:accent5>
-        <a:srgbClr val="FB8C00"/>
-      </a:accent5>
-      <a:accent6>
-        <a:srgbClr val="FFAE88"/>
-      </a:accent6>
-      <a:hlink>
-        <a:srgbClr val="0277BD"/>
-      </a:hlink>
-      <a:folHlink>
-        <a:srgbClr val="0277BD"/>
-      </a:folHlink>
-    </a:clrScheme>
-    <a:fontScheme name="Office">
-      <a:majorFont>
-        <a:latin typeface="Arial"/>
-        <a:ea typeface=""/>
-        <a:cs typeface=""/>
-        <a:font script="Jpan" typeface="ＭＳ Ｐゴシック"/>
-        <a:font script="Hang" typeface="맑은 고딕"/>
-        <a:font script="Hans" typeface="宋体"/>
-        <a:font script="Hant" typeface="新細明體"/>
-        <a:font script="Arab" typeface="Times New Roman"/>
-        <a:font script="Hebr" typeface="Times New Roman"/>
-        <a:font script="Thai" typeface="Angsana New"/>
-        <a:font script="Ethi" typeface="Nyala"/>
-        <a:font script="Beng" typeface="Vrinda"/>
-        <a:font script="Gujr" typeface="Shruti"/>
-        <a:font script="Khmr" typeface="MoolBoran"/>
-        <a:font script="Knda" typeface="Tunga"/>
-        <a:font script="Guru" typeface="Raavi"/>
-        <a:font script="Cans" typeface="Euphemia"/>
-        <a:font script="Cher" typeface="Plantagenet Cherokee"/>
-        <a:font script="Yiii" typeface="Microsoft Yi Baiti"/>
-        <a:font script="Tibt" typeface="Microsoft Himalaya"/>
-        <a:font script="Thaa" typeface="MV Boli"/>
-        <a:font script="Deva" typeface="Mangal"/>
-        <a:font script="Telu" typeface="Gautami"/>
-        <a:font script="Taml" typeface="Latha"/>
-        <a:font script="Syrc" typeface="Estrangelo Edessa"/>
-        <a:font script="Orya" typeface="Kalinga"/>
-        <a:font script="Mlym" typeface="Kartika"/>
-        <a:font script="Laoo" typeface="DokChampa"/>
-        <a:font script="Sinh" typeface="Iskoola Pota"/>
-        <a:font script="Mong" typeface="Mongolian Baiti"/>
-        <a:font script="Viet" typeface="Times New Roman"/>
-        <a:font script="Uigh" typeface="Microsoft Uighur"/>
-        <a:font script="Geor" typeface="Sylfaen"/>
-      </a:majorFont>
-      <a:minorFont>
-        <a:latin typeface="Arial"/>
-        <a:ea typeface=""/>
-        <a:cs typeface=""/>
-        <a:font script="Jpan" typeface="ＭＳ Ｐゴシック"/>
-        <a:font script="Hang" typeface="맑은 고딕"/>
-        <a:font script="Hans" typeface="宋体"/>
-        <a:font script="Hant" typeface="新細明體"/>
-        <a:font script="Arab" typeface="Arial"/>
-        <a:font script="Hebr" typeface="Arial"/>
-        <a:font script="Thai" typeface="Cordia New"/>
-        <a:font script="Ethi" typeface="Nyala"/>
-        <a:font script="Beng" typeface="Vrinda"/>
-        <a:font script="Gujr" typeface="Shruti"/>
-        <a:font script="Khmr" typeface="DaunPenh"/>
-        <a:font script="Knda" typeface="Tunga"/>
-        <a:font script="Guru" typeface="Raavi"/>
-        <a:font script="Cans" typeface="Euphemia"/>
-        <a:font script="Cher" typeface="Plantagenet Cherokee"/>
-        <a:font script="Yiii" typeface="Microsoft Yi Baiti"/>
-        <a:font script="Tibt" typeface="Microsoft Himalaya"/>
-        <a:font script="Thaa" typeface="MV Boli"/>
-        <a:font script="Deva" typeface="Mangal"/>
-        <a:font script="Telu" typeface="Gautami"/>
-        <a:font script="Taml" typeface="Latha"/>
-        <a:font script="Syrc" typeface="Estrangelo Edessa"/>
-        <a:font script="Orya" typeface="Kalinga"/>
-        <a:font script="Mlym" typeface="Kartika"/>
-        <a:font script="Laoo" typeface="DokChampa"/>
-        <a:font script="Sinh" typeface="Iskoola Pota"/>
-        <a:font script="Mong" typeface="Mongolian Baiti"/>
-        <a:font script="Viet" typeface="Arial"/>
-        <a:font script="Uigh" typeface="Microsoft Uighur"/>
-        <a:font script="Geor" typeface="Sylfaen"/>
-      </a:minorFont>
-    </a:fontScheme>
-    <a:fmtScheme name="Office">
-      <a:fillStyleLst>
-        <a:solidFill>
-          <a:schemeClr val="phClr"/>
-        </a:solidFill>
-        <a:gradFill rotWithShape="1">
-          <a:gsLst>
-            <a:gs pos="0">
-              <a:schemeClr val="phClr">
-                <a:tint val="50000"/>
-                <a:satMod val="300000"/>
-              </a:schemeClr>
-            </a:gs>
-            <a:gs pos="35000">
-              <a:schemeClr val="phClr">
-                <a:tint val="37000"/>
-                <a:satMod val="300000"/>
-              </a:schemeClr>
-            </a:gs>
-            <a:gs pos="100000">
-              <a:schemeClr val="phClr">
-                <a:tint val="15000"/>
-                <a:satMod val="350000"/>
-              </a:schemeClr>
-            </a:gs>
-          </a:gsLst>
-          <a:lin ang="16200000" scaled="1"/>
-        </a:gradFill>
-        <a:gradFill rotWithShape="1">
-          <a:gsLst>
-            <a:gs pos="0">
-              <a:schemeClr val="phClr">
-                <a:tint val="100000"/>
-                <a:shade val="100000"/>
-                <a:satMod val="130000"/>
-              </a:schemeClr>
-            </a:gs>
-            <a:gs pos="100000">
-              <a:schemeClr val="phClr">
-                <a:tint val="50000"/>
-                <a:shade val="100000"/>
-                <a:satMod val="350000"/>
-              </a:schemeClr>
-            </a:gs>
-          </a:gsLst>
-          <a:lin ang="16200000" scaled="0"/>
-        </a:gradFill>
-      </a:fillStyleLst>
-      <a:lnStyleLst>
-        <a:ln w="9525" cap="flat" cmpd="sng" algn="ctr">
-          <a:solidFill>
-            <a:schemeClr val="phClr">
-              <a:shade val="95000"/>
-              <a:satMod val="105000"/>
-            </a:schemeClr>
-          </a:solidFill>
-          <a:prstDash val="solid"/>
-        </a:ln>
-        <a:ln w="25400" cap="flat" cmpd="sng" algn="ctr">
-          <a:solidFill>
-            <a:schemeClr val="phClr"/>
-          </a:solidFill>
-          <a:prstDash val="solid"/>
-        </a:ln>
-        <a:ln w="38100" cap="flat" cmpd="sng" algn="ctr">
-          <a:solidFill>
-            <a:schemeClr val="phClr"/>
-          </a:solidFill>
-          <a:prstDash val="solid"/>
-        </a:ln>
-      </a:lnStyleLst>
-      <a:effectStyleLst>
-        <a:effectStyle>
-          <a:effectLst>
-            <a:outerShdw blurRad="40000" dist="20000" dir="5400000" rotWithShape="0">
-              <a:srgbClr val="000000">
-                <a:alpha val="38000"/>
-              </a:srgbClr>
-            </a:outerShdw>
-          </a:effectLst>
-        </a:effectStyle>
-        <a:effectStyle>
-          <a:effectLst>
-            <a:outerShdw blurRad="40000" dist="23000" dir="5400000" rotWithShape="0">
-              <a:srgbClr val="000000">
-                <a:alpha val="35000"/>
-              </a:srgbClr>
-            </a:outerShdw>
-          </a:effectLst>
-        </a:effectStyle>
-        <a:effectStyle>
-          <a:effectLst>
-            <a:outerShdw blurRad="40000" dist="23000" dir="5400000" rotWithShape="0">
-              <a:srgbClr val="000000">
-                <a:alpha val="35000"/>
-              </a:srgbClr>
-            </a:outerShdw>
-          </a:effectLst>
-          <a:scene3d>
-            <a:camera prst="orthographicFront">
-              <a:rot lat="0" lon="0" rev="0"/>
-            </a:camera>
-            <a:lightRig rig="threePt" dir="t">
-              <a:rot lat="0" lon="0" rev="1200000"/>
-            </a:lightRig>
-          </a:scene3d>
-          <a:sp3d>
-            <a:bevelT w="63500" h="25400"/>
-          </a:sp3d>
-        </a:effectStyle>
-      </a:effectStyleLst>
-      <a:bgFillStyleLst>
-        <a:solidFill>
-          <a:schemeClr val="phClr"/>
-        </a:solidFill>
-        <a:gradFill rotWithShape="1">
-          <a:gsLst>
-            <a:gs pos="0">
-              <a:schemeClr val="phClr">
-                <a:tint val="40000"/>
-                <a:satMod val="350000"/>
-              </a:schemeClr>
-            </a:gs>
-            <a:gs pos="40000">
-              <a:schemeClr val="phClr">
-                <a:tint val="45000"/>
-                <a:shade val="99000"/>
-                <a:satMod val="350000"/>
-              </a:schemeClr>
-            </a:gs>
-            <a:gs pos="100000">
-              <a:schemeClr val="phClr">
-                <a:shade val="20000"/>
-                <a:satMod val="255000"/>
-              </a:schemeClr>
-            </a:gs>
-          </a:gsLst>
-          <a:path path="circle">
-            <a:fillToRect l="50000" t="-80000" r="50000" b="180000"/>
-          </a:path>
-        </a:gradFill>
-        <a:gradFill rotWithShape="1">
-          <a:gsLst>
-            <a:gs pos="0">
-              <a:schemeClr val="phClr">
-                <a:tint val="80000"/>
-                <a:satMod val="300000"/>
-              </a:schemeClr>
-            </a:gs>
-            <a:gs pos="100000">
-              <a:schemeClr val="phClr">
-                <a:shade val="30000"/>
-                <a:satMod val="200000"/>
-              </a:schemeClr>
-            </a:gs>
-          </a:gsLst>
-          <a:path path="circle">
-            <a:fillToRect l="50000" t="50000" r="50000" b="50000"/>
-          </a:path>
-        </a:gradFill>
-      </a:bgFillStyleLst>
-    </a:fmtScheme>
-  </a:themeElements>
-</a:theme>
 </file>